--- a/subjects/WWW/Bazy danych - projekt.pptx
+++ b/subjects/WWW/Bazy danych - projekt.pptx
@@ -131,14 +131,945 @@
 <file path=ppt/revisionInfo.xml><?xml version="1.0" encoding="utf-8"?>
 <p1510:revInfo xmlns:a="http://schemas.openxmlformats.org/drawingml/2006/main" xmlns:r="http://schemas.openxmlformats.org/officeDocument/2006/relationships" xmlns:p1510="http://schemas.microsoft.com/office/powerpoint/2015/10/main">
   <p1510:revLst>
-    <p1510:client id="{02442C6C-0560-4BB5-A23F-D4CFE33765F5}" v="4" dt="2024-02-13T08:59:30.741"/>
-    <p1510:client id="{9B6C8081-79AC-4E5A-94B5-A1550F67EA47}" v="10" dt="2024-02-13T08:54:44.978"/>
+    <p1510:client id="{02442C6C-0560-4BB5-A23F-D4CFE33765F5}" v="7" dt="2024-03-04T07:11:18.546"/>
   </p1510:revLst>
 </p1510:revInfo>
 </file>
 
 <file path=ppt/changesInfos/changesInfo1.xml><?xml version="1.0" encoding="utf-8"?>
 <pc:chgInfo xmlns:a="http://schemas.openxmlformats.org/drawingml/2006/main" xmlns:r="http://schemas.openxmlformats.org/officeDocument/2006/relationships" xmlns:ac="http://schemas.microsoft.com/office/drawing/2013/main/command" xmlns:pc="http://schemas.microsoft.com/office/powerpoint/2013/main/command">
+  <pc:docChgLst>
+    <pc:chgData name="Patryk Serafin" userId="86fa742248e137ce" providerId="LiveId" clId="{9284F644-453D-4DEE-A2B0-268811375D48}"/>
+    <pc:docChg chg="addSld delSld modSld">
+      <pc:chgData name="Patryk Serafin" userId="86fa742248e137ce" providerId="LiveId" clId="{9284F644-453D-4DEE-A2B0-268811375D48}" dt="2024-01-31T08:39:48.320" v="4" actId="47"/>
+      <pc:docMkLst>
+        <pc:docMk/>
+      </pc:docMkLst>
+      <pc:sldChg chg="del">
+        <pc:chgData name="Patryk Serafin" userId="86fa742248e137ce" providerId="LiveId" clId="{9284F644-453D-4DEE-A2B0-268811375D48}" dt="2024-01-31T08:39:48.320" v="4" actId="47"/>
+        <pc:sldMkLst>
+          <pc:docMk/>
+          <pc:sldMk cId="2421352655" sldId="256"/>
+        </pc:sldMkLst>
+      </pc:sldChg>
+      <pc:sldChg chg="add">
+        <pc:chgData name="Patryk Serafin" userId="86fa742248e137ce" providerId="LiveId" clId="{9284F644-453D-4DEE-A2B0-268811375D48}" dt="2024-01-31T08:39:46.694" v="3"/>
+        <pc:sldMkLst>
+          <pc:docMk/>
+          <pc:sldMk cId="1578271858" sldId="381"/>
+        </pc:sldMkLst>
+      </pc:sldChg>
+      <pc:sldChg chg="addSp delSp add del setBg delDesignElem">
+        <pc:chgData name="Patryk Serafin" userId="86fa742248e137ce" providerId="LiveId" clId="{9284F644-453D-4DEE-A2B0-268811375D48}" dt="2024-01-31T08:39:46.679" v="2"/>
+        <pc:sldMkLst>
+          <pc:docMk/>
+          <pc:sldMk cId="2107130423" sldId="381"/>
+        </pc:sldMkLst>
+        <pc:spChg chg="add del">
+          <ac:chgData name="Patryk Serafin" userId="86fa742248e137ce" providerId="LiveId" clId="{9284F644-453D-4DEE-A2B0-268811375D48}" dt="2024-01-31T08:39:46.679" v="2"/>
+          <ac:spMkLst>
+            <pc:docMk/>
+            <pc:sldMk cId="2107130423" sldId="381"/>
+            <ac:spMk id="36" creationId="{7A875D55-4A80-43E9-38F6-27E3664939B0}"/>
+          </ac:spMkLst>
+        </pc:spChg>
+        <pc:spChg chg="add del">
+          <ac:chgData name="Patryk Serafin" userId="86fa742248e137ce" providerId="LiveId" clId="{9284F644-453D-4DEE-A2B0-268811375D48}" dt="2024-01-31T08:39:46.679" v="2"/>
+          <ac:spMkLst>
+            <pc:docMk/>
+            <pc:sldMk cId="2107130423" sldId="381"/>
+            <ac:spMk id="38" creationId="{3D572980-FB84-8C29-1FAC-FAC5ECE29A39}"/>
+          </ac:spMkLst>
+        </pc:spChg>
+      </pc:sldChg>
+    </pc:docChg>
+  </pc:docChgLst>
+  <pc:docChgLst>
+    <pc:chgData name="Serafin Patryk" userId="ce8cf8d3-b140-43f7-9541-10745587815e" providerId="ADAL" clId="{6E43ECB8-3BC8-4895-A2CB-F69B72AF65E4}"/>
+    <pc:docChg chg="undo custSel addSld delSld modSld">
+      <pc:chgData name="Serafin Patryk" userId="ce8cf8d3-b140-43f7-9541-10745587815e" providerId="ADAL" clId="{6E43ECB8-3BC8-4895-A2CB-F69B72AF65E4}" dt="2024-02-11T16:54:43.092" v="195" actId="207"/>
+      <pc:docMkLst>
+        <pc:docMk/>
+      </pc:docMkLst>
+      <pc:sldChg chg="del">
+        <pc:chgData name="Serafin Patryk" userId="ce8cf8d3-b140-43f7-9541-10745587815e" providerId="ADAL" clId="{6E43ECB8-3BC8-4895-A2CB-F69B72AF65E4}" dt="2024-02-11T15:12:06.996" v="186" actId="47"/>
+        <pc:sldMkLst>
+          <pc:docMk/>
+          <pc:sldMk cId="2922012136" sldId="303"/>
+        </pc:sldMkLst>
+      </pc:sldChg>
+      <pc:sldChg chg="modSp mod">
+        <pc:chgData name="Serafin Patryk" userId="ce8cf8d3-b140-43f7-9541-10745587815e" providerId="ADAL" clId="{6E43ECB8-3BC8-4895-A2CB-F69B72AF65E4}" dt="2024-02-11T15:12:15.570" v="187" actId="20577"/>
+        <pc:sldMkLst>
+          <pc:docMk/>
+          <pc:sldMk cId="2549208066" sldId="339"/>
+        </pc:sldMkLst>
+        <pc:spChg chg="mod">
+          <ac:chgData name="Serafin Patryk" userId="ce8cf8d3-b140-43f7-9541-10745587815e" providerId="ADAL" clId="{6E43ECB8-3BC8-4895-A2CB-F69B72AF65E4}" dt="2024-02-11T15:12:15.570" v="187" actId="20577"/>
+          <ac:spMkLst>
+            <pc:docMk/>
+            <pc:sldMk cId="2549208066" sldId="339"/>
+            <ac:spMk id="3" creationId="{11AFB673-4EE6-B2CC-A657-604E76AEAF8A}"/>
+          </ac:spMkLst>
+        </pc:spChg>
+      </pc:sldChg>
+      <pc:sldChg chg="modSp add mod">
+        <pc:chgData name="Serafin Patryk" userId="ce8cf8d3-b140-43f7-9541-10745587815e" providerId="ADAL" clId="{6E43ECB8-3BC8-4895-A2CB-F69B72AF65E4}" dt="2024-02-11T15:08:23.786" v="128" actId="20577"/>
+        <pc:sldMkLst>
+          <pc:docMk/>
+          <pc:sldMk cId="1249638887" sldId="408"/>
+        </pc:sldMkLst>
+        <pc:spChg chg="mod">
+          <ac:chgData name="Serafin Patryk" userId="ce8cf8d3-b140-43f7-9541-10745587815e" providerId="ADAL" clId="{6E43ECB8-3BC8-4895-A2CB-F69B72AF65E4}" dt="2024-02-11T15:07:47.689" v="10" actId="20577"/>
+          <ac:spMkLst>
+            <pc:docMk/>
+            <pc:sldMk cId="1249638887" sldId="408"/>
+            <ac:spMk id="2" creationId="{5644E211-402B-3CFB-273A-3475E0D31EB9}"/>
+          </ac:spMkLst>
+        </pc:spChg>
+        <pc:spChg chg="mod">
+          <ac:chgData name="Serafin Patryk" userId="ce8cf8d3-b140-43f7-9541-10745587815e" providerId="ADAL" clId="{6E43ECB8-3BC8-4895-A2CB-F69B72AF65E4}" dt="2024-02-11T15:08:23.786" v="128" actId="20577"/>
+          <ac:spMkLst>
+            <pc:docMk/>
+            <pc:sldMk cId="1249638887" sldId="408"/>
+            <ac:spMk id="3" creationId="{9B8CA6D6-702B-62B3-FD39-07B30F82E4AE}"/>
+          </ac:spMkLst>
+        </pc:spChg>
+      </pc:sldChg>
+      <pc:sldChg chg="modSp add mod">
+        <pc:chgData name="Serafin Patryk" userId="ce8cf8d3-b140-43f7-9541-10745587815e" providerId="ADAL" clId="{6E43ECB8-3BC8-4895-A2CB-F69B72AF65E4}" dt="2024-02-11T15:08:54.305" v="130"/>
+        <pc:sldMkLst>
+          <pc:docMk/>
+          <pc:sldMk cId="915548103" sldId="409"/>
+        </pc:sldMkLst>
+        <pc:spChg chg="mod">
+          <ac:chgData name="Serafin Patryk" userId="ce8cf8d3-b140-43f7-9541-10745587815e" providerId="ADAL" clId="{6E43ECB8-3BC8-4895-A2CB-F69B72AF65E4}" dt="2024-02-11T15:08:54.305" v="130"/>
+          <ac:spMkLst>
+            <pc:docMk/>
+            <pc:sldMk cId="915548103" sldId="409"/>
+            <ac:spMk id="4" creationId="{4F0D965B-416F-E1B1-2346-9CB2F1970FDC}"/>
+          </ac:spMkLst>
+        </pc:spChg>
+      </pc:sldChg>
+      <pc:sldChg chg="modSp add mod">
+        <pc:chgData name="Serafin Patryk" userId="ce8cf8d3-b140-43f7-9541-10745587815e" providerId="ADAL" clId="{6E43ECB8-3BC8-4895-A2CB-F69B72AF65E4}" dt="2024-02-11T15:09:48.847" v="144" actId="20577"/>
+        <pc:sldMkLst>
+          <pc:docMk/>
+          <pc:sldMk cId="3963804126" sldId="410"/>
+        </pc:sldMkLst>
+        <pc:spChg chg="mod">
+          <ac:chgData name="Serafin Patryk" userId="ce8cf8d3-b140-43f7-9541-10745587815e" providerId="ADAL" clId="{6E43ECB8-3BC8-4895-A2CB-F69B72AF65E4}" dt="2024-02-11T15:09:36.018" v="135" actId="20577"/>
+          <ac:spMkLst>
+            <pc:docMk/>
+            <pc:sldMk cId="3963804126" sldId="410"/>
+            <ac:spMk id="2" creationId="{CCD44DC2-7C45-6184-F6F8-0BFF37411A1F}"/>
+          </ac:spMkLst>
+        </pc:spChg>
+        <pc:spChg chg="mod">
+          <ac:chgData name="Serafin Patryk" userId="ce8cf8d3-b140-43f7-9541-10745587815e" providerId="ADAL" clId="{6E43ECB8-3BC8-4895-A2CB-F69B72AF65E4}" dt="2024-02-11T15:09:48.847" v="144" actId="20577"/>
+          <ac:spMkLst>
+            <pc:docMk/>
+            <pc:sldMk cId="3963804126" sldId="410"/>
+            <ac:spMk id="3" creationId="{B843A6CA-7B0B-D251-BDC1-A22B62F63113}"/>
+          </ac:spMkLst>
+        </pc:spChg>
+      </pc:sldChg>
+      <pc:sldChg chg="modSp add mod">
+        <pc:chgData name="Serafin Patryk" userId="ce8cf8d3-b140-43f7-9541-10745587815e" providerId="ADAL" clId="{6E43ECB8-3BC8-4895-A2CB-F69B72AF65E4}" dt="2024-02-11T15:10:10.974" v="145"/>
+        <pc:sldMkLst>
+          <pc:docMk/>
+          <pc:sldMk cId="3093308458" sldId="411"/>
+        </pc:sldMkLst>
+        <pc:spChg chg="mod">
+          <ac:chgData name="Serafin Patryk" userId="ce8cf8d3-b140-43f7-9541-10745587815e" providerId="ADAL" clId="{6E43ECB8-3BC8-4895-A2CB-F69B72AF65E4}" dt="2024-02-11T15:10:10.974" v="145"/>
+          <ac:spMkLst>
+            <pc:docMk/>
+            <pc:sldMk cId="3093308458" sldId="411"/>
+            <ac:spMk id="4" creationId="{5BD565A4-0AAC-1677-9292-C484B878A365}"/>
+          </ac:spMkLst>
+        </pc:spChg>
+      </pc:sldChg>
+      <pc:sldChg chg="modSp add mod">
+        <pc:chgData name="Serafin Patryk" userId="ce8cf8d3-b140-43f7-9541-10745587815e" providerId="ADAL" clId="{6E43ECB8-3BC8-4895-A2CB-F69B72AF65E4}" dt="2024-02-11T15:10:57.093" v="165" actId="313"/>
+        <pc:sldMkLst>
+          <pc:docMk/>
+          <pc:sldMk cId="3572792617" sldId="412"/>
+        </pc:sldMkLst>
+        <pc:spChg chg="mod">
+          <ac:chgData name="Serafin Patryk" userId="ce8cf8d3-b140-43f7-9541-10745587815e" providerId="ADAL" clId="{6E43ECB8-3BC8-4895-A2CB-F69B72AF65E4}" dt="2024-02-11T15:10:21.808" v="151" actId="20577"/>
+          <ac:spMkLst>
+            <pc:docMk/>
+            <pc:sldMk cId="3572792617" sldId="412"/>
+            <ac:spMk id="2" creationId="{77EE8518-375F-C20A-8DF1-0C9EA2871F82}"/>
+          </ac:spMkLst>
+        </pc:spChg>
+        <pc:spChg chg="mod">
+          <ac:chgData name="Serafin Patryk" userId="ce8cf8d3-b140-43f7-9541-10745587815e" providerId="ADAL" clId="{6E43ECB8-3BC8-4895-A2CB-F69B72AF65E4}" dt="2024-02-11T15:10:57.093" v="165" actId="313"/>
+          <ac:spMkLst>
+            <pc:docMk/>
+            <pc:sldMk cId="3572792617" sldId="412"/>
+            <ac:spMk id="3" creationId="{461E5007-D393-F03D-ACBA-9830E39EAD11}"/>
+          </ac:spMkLst>
+        </pc:spChg>
+      </pc:sldChg>
+      <pc:sldChg chg="modSp add mod">
+        <pc:chgData name="Serafin Patryk" userId="ce8cf8d3-b140-43f7-9541-10745587815e" providerId="ADAL" clId="{6E43ECB8-3BC8-4895-A2CB-F69B72AF65E4}" dt="2024-02-11T15:11:09.696" v="166"/>
+        <pc:sldMkLst>
+          <pc:docMk/>
+          <pc:sldMk cId="902559619" sldId="413"/>
+        </pc:sldMkLst>
+        <pc:spChg chg="mod">
+          <ac:chgData name="Serafin Patryk" userId="ce8cf8d3-b140-43f7-9541-10745587815e" providerId="ADAL" clId="{6E43ECB8-3BC8-4895-A2CB-F69B72AF65E4}" dt="2024-02-11T15:11:09.696" v="166"/>
+          <ac:spMkLst>
+            <pc:docMk/>
+            <pc:sldMk cId="902559619" sldId="413"/>
+            <ac:spMk id="4" creationId="{E1CBA04C-6E31-A139-4596-D60E8E3B40D9}"/>
+          </ac:spMkLst>
+        </pc:spChg>
+      </pc:sldChg>
+      <pc:sldChg chg="modSp add mod">
+        <pc:chgData name="Serafin Patryk" userId="ce8cf8d3-b140-43f7-9541-10745587815e" providerId="ADAL" clId="{6E43ECB8-3BC8-4895-A2CB-F69B72AF65E4}" dt="2024-02-11T15:11:47.242" v="182" actId="313"/>
+        <pc:sldMkLst>
+          <pc:docMk/>
+          <pc:sldMk cId="3303263368" sldId="414"/>
+        </pc:sldMkLst>
+        <pc:spChg chg="mod">
+          <ac:chgData name="Serafin Patryk" userId="ce8cf8d3-b140-43f7-9541-10745587815e" providerId="ADAL" clId="{6E43ECB8-3BC8-4895-A2CB-F69B72AF65E4}" dt="2024-02-11T15:11:23.113" v="172" actId="20577"/>
+          <ac:spMkLst>
+            <pc:docMk/>
+            <pc:sldMk cId="3303263368" sldId="414"/>
+            <ac:spMk id="2" creationId="{27A8A985-83CD-BC4F-B993-78937B7C32B8}"/>
+          </ac:spMkLst>
+        </pc:spChg>
+        <pc:spChg chg="mod">
+          <ac:chgData name="Serafin Patryk" userId="ce8cf8d3-b140-43f7-9541-10745587815e" providerId="ADAL" clId="{6E43ECB8-3BC8-4895-A2CB-F69B72AF65E4}" dt="2024-02-11T15:11:47.242" v="182" actId="313"/>
+          <ac:spMkLst>
+            <pc:docMk/>
+            <pc:sldMk cId="3303263368" sldId="414"/>
+            <ac:spMk id="3" creationId="{B33C29EA-B023-59B7-E82D-ADE2DE042D6A}"/>
+          </ac:spMkLst>
+        </pc:spChg>
+      </pc:sldChg>
+      <pc:sldChg chg="modSp add mod">
+        <pc:chgData name="Serafin Patryk" userId="ce8cf8d3-b140-43f7-9541-10745587815e" providerId="ADAL" clId="{6E43ECB8-3BC8-4895-A2CB-F69B72AF65E4}" dt="2024-02-11T15:12:01.012" v="185"/>
+        <pc:sldMkLst>
+          <pc:docMk/>
+          <pc:sldMk cId="525475236" sldId="415"/>
+        </pc:sldMkLst>
+        <pc:spChg chg="mod">
+          <ac:chgData name="Serafin Patryk" userId="ce8cf8d3-b140-43f7-9541-10745587815e" providerId="ADAL" clId="{6E43ECB8-3BC8-4895-A2CB-F69B72AF65E4}" dt="2024-02-11T15:12:01.012" v="185"/>
+          <ac:spMkLst>
+            <pc:docMk/>
+            <pc:sldMk cId="525475236" sldId="415"/>
+            <ac:spMk id="4" creationId="{B9F7CF27-CA63-EBBD-04D7-9B434B2793D2}"/>
+          </ac:spMkLst>
+        </pc:spChg>
+      </pc:sldChg>
+      <pc:sldChg chg="modSp add mod">
+        <pc:chgData name="Serafin Patryk" userId="ce8cf8d3-b140-43f7-9541-10745587815e" providerId="ADAL" clId="{6E43ECB8-3BC8-4895-A2CB-F69B72AF65E4}" dt="2024-02-11T16:54:43.092" v="195" actId="207"/>
+        <pc:sldMkLst>
+          <pc:docMk/>
+          <pc:sldMk cId="3759454836" sldId="416"/>
+        </pc:sldMkLst>
+        <pc:spChg chg="mod">
+          <ac:chgData name="Serafin Patryk" userId="ce8cf8d3-b140-43f7-9541-10745587815e" providerId="ADAL" clId="{6E43ECB8-3BC8-4895-A2CB-F69B72AF65E4}" dt="2024-02-11T16:54:43.092" v="195" actId="207"/>
+          <ac:spMkLst>
+            <pc:docMk/>
+            <pc:sldMk cId="3759454836" sldId="416"/>
+            <ac:spMk id="2" creationId="{A9210CD3-7F1E-0C08-95AE-C5F843EBEBE1}"/>
+          </ac:spMkLst>
+        </pc:spChg>
+      </pc:sldChg>
+    </pc:docChg>
+  </pc:docChgLst>
+  <pc:docChgLst>
+    <pc:chgData name="Serafin Patryk" userId="ce8cf8d3-b140-43f7-9541-10745587815e" providerId="ADAL" clId="{02442C6C-0560-4BB5-A23F-D4CFE33765F5}"/>
+    <pc:docChg chg="undo custSel addSld delSld modSld">
+      <pc:chgData name="Serafin Patryk" userId="ce8cf8d3-b140-43f7-9541-10745587815e" providerId="ADAL" clId="{02442C6C-0560-4BB5-A23F-D4CFE33765F5}" dt="2024-03-06T09:00:14.693" v="158" actId="47"/>
+      <pc:docMkLst>
+        <pc:docMk/>
+      </pc:docMkLst>
+      <pc:sldChg chg="del">
+        <pc:chgData name="Serafin Patryk" userId="ce8cf8d3-b140-43f7-9541-10745587815e" providerId="ADAL" clId="{02442C6C-0560-4BB5-A23F-D4CFE33765F5}" dt="2024-02-13T08:56:29.691" v="0" actId="47"/>
+        <pc:sldMkLst>
+          <pc:docMk/>
+          <pc:sldMk cId="1299242876" sldId="257"/>
+        </pc:sldMkLst>
+      </pc:sldChg>
+      <pc:sldChg chg="del">
+        <pc:chgData name="Serafin Patryk" userId="ce8cf8d3-b140-43f7-9541-10745587815e" providerId="ADAL" clId="{02442C6C-0560-4BB5-A23F-D4CFE33765F5}" dt="2024-02-13T08:56:29.691" v="0" actId="47"/>
+        <pc:sldMkLst>
+          <pc:docMk/>
+          <pc:sldMk cId="3635486650" sldId="267"/>
+        </pc:sldMkLst>
+      </pc:sldChg>
+      <pc:sldChg chg="del">
+        <pc:chgData name="Serafin Patryk" userId="ce8cf8d3-b140-43f7-9541-10745587815e" providerId="ADAL" clId="{02442C6C-0560-4BB5-A23F-D4CFE33765F5}" dt="2024-02-13T08:56:29.691" v="0" actId="47"/>
+        <pc:sldMkLst>
+          <pc:docMk/>
+          <pc:sldMk cId="3640115069" sldId="290"/>
+        </pc:sldMkLst>
+      </pc:sldChg>
+      <pc:sldChg chg="del">
+        <pc:chgData name="Serafin Patryk" userId="ce8cf8d3-b140-43f7-9541-10745587815e" providerId="ADAL" clId="{02442C6C-0560-4BB5-A23F-D4CFE33765F5}" dt="2024-02-13T08:56:29.691" v="0" actId="47"/>
+        <pc:sldMkLst>
+          <pc:docMk/>
+          <pc:sldMk cId="3115832531" sldId="291"/>
+        </pc:sldMkLst>
+      </pc:sldChg>
+      <pc:sldChg chg="del">
+        <pc:chgData name="Serafin Patryk" userId="ce8cf8d3-b140-43f7-9541-10745587815e" providerId="ADAL" clId="{02442C6C-0560-4BB5-A23F-D4CFE33765F5}" dt="2024-02-13T08:56:29.691" v="0" actId="47"/>
+        <pc:sldMkLst>
+          <pc:docMk/>
+          <pc:sldMk cId="1777602640" sldId="292"/>
+        </pc:sldMkLst>
+      </pc:sldChg>
+      <pc:sldChg chg="del">
+        <pc:chgData name="Serafin Patryk" userId="ce8cf8d3-b140-43f7-9541-10745587815e" providerId="ADAL" clId="{02442C6C-0560-4BB5-A23F-D4CFE33765F5}" dt="2024-02-13T08:56:29.691" v="0" actId="47"/>
+        <pc:sldMkLst>
+          <pc:docMk/>
+          <pc:sldMk cId="64165896" sldId="293"/>
+        </pc:sldMkLst>
+      </pc:sldChg>
+      <pc:sldChg chg="del">
+        <pc:chgData name="Serafin Patryk" userId="ce8cf8d3-b140-43f7-9541-10745587815e" providerId="ADAL" clId="{02442C6C-0560-4BB5-A23F-D4CFE33765F5}" dt="2024-02-13T08:56:29.691" v="0" actId="47"/>
+        <pc:sldMkLst>
+          <pc:docMk/>
+          <pc:sldMk cId="1539200991" sldId="294"/>
+        </pc:sldMkLst>
+      </pc:sldChg>
+      <pc:sldChg chg="del">
+        <pc:chgData name="Serafin Patryk" userId="ce8cf8d3-b140-43f7-9541-10745587815e" providerId="ADAL" clId="{02442C6C-0560-4BB5-A23F-D4CFE33765F5}" dt="2024-02-13T08:56:29.691" v="0" actId="47"/>
+        <pc:sldMkLst>
+          <pc:docMk/>
+          <pc:sldMk cId="2488230557" sldId="295"/>
+        </pc:sldMkLst>
+      </pc:sldChg>
+      <pc:sldChg chg="del">
+        <pc:chgData name="Serafin Patryk" userId="ce8cf8d3-b140-43f7-9541-10745587815e" providerId="ADAL" clId="{02442C6C-0560-4BB5-A23F-D4CFE33765F5}" dt="2024-02-13T08:56:29.691" v="0" actId="47"/>
+        <pc:sldMkLst>
+          <pc:docMk/>
+          <pc:sldMk cId="78985000" sldId="300"/>
+        </pc:sldMkLst>
+      </pc:sldChg>
+      <pc:sldChg chg="del">
+        <pc:chgData name="Serafin Patryk" userId="ce8cf8d3-b140-43f7-9541-10745587815e" providerId="ADAL" clId="{02442C6C-0560-4BB5-A23F-D4CFE33765F5}" dt="2024-02-13T08:56:29.691" v="0" actId="47"/>
+        <pc:sldMkLst>
+          <pc:docMk/>
+          <pc:sldMk cId="758177806" sldId="301"/>
+        </pc:sldMkLst>
+      </pc:sldChg>
+      <pc:sldChg chg="del">
+        <pc:chgData name="Serafin Patryk" userId="ce8cf8d3-b140-43f7-9541-10745587815e" providerId="ADAL" clId="{02442C6C-0560-4BB5-A23F-D4CFE33765F5}" dt="2024-02-13T08:56:29.691" v="0" actId="47"/>
+        <pc:sldMkLst>
+          <pc:docMk/>
+          <pc:sldMk cId="2199598623" sldId="302"/>
+        </pc:sldMkLst>
+      </pc:sldChg>
+      <pc:sldChg chg="del">
+        <pc:chgData name="Serafin Patryk" userId="ce8cf8d3-b140-43f7-9541-10745587815e" providerId="ADAL" clId="{02442C6C-0560-4BB5-A23F-D4CFE33765F5}" dt="2024-02-13T08:56:29.691" v="0" actId="47"/>
+        <pc:sldMkLst>
+          <pc:docMk/>
+          <pc:sldMk cId="1419307233" sldId="336"/>
+        </pc:sldMkLst>
+      </pc:sldChg>
+      <pc:sldChg chg="del">
+        <pc:chgData name="Serafin Patryk" userId="ce8cf8d3-b140-43f7-9541-10745587815e" providerId="ADAL" clId="{02442C6C-0560-4BB5-A23F-D4CFE33765F5}" dt="2024-02-13T08:56:29.691" v="0" actId="47"/>
+        <pc:sldMkLst>
+          <pc:docMk/>
+          <pc:sldMk cId="3561373349" sldId="337"/>
+        </pc:sldMkLst>
+      </pc:sldChg>
+      <pc:sldChg chg="del">
+        <pc:chgData name="Serafin Patryk" userId="ce8cf8d3-b140-43f7-9541-10745587815e" providerId="ADAL" clId="{02442C6C-0560-4BB5-A23F-D4CFE33765F5}" dt="2024-02-13T08:56:29.691" v="0" actId="47"/>
+        <pc:sldMkLst>
+          <pc:docMk/>
+          <pc:sldMk cId="3461106496" sldId="338"/>
+        </pc:sldMkLst>
+      </pc:sldChg>
+      <pc:sldChg chg="del">
+        <pc:chgData name="Serafin Patryk" userId="ce8cf8d3-b140-43f7-9541-10745587815e" providerId="ADAL" clId="{02442C6C-0560-4BB5-A23F-D4CFE33765F5}" dt="2024-02-13T08:56:29.691" v="0" actId="47"/>
+        <pc:sldMkLst>
+          <pc:docMk/>
+          <pc:sldMk cId="2549208066" sldId="339"/>
+        </pc:sldMkLst>
+      </pc:sldChg>
+      <pc:sldChg chg="del">
+        <pc:chgData name="Serafin Patryk" userId="ce8cf8d3-b140-43f7-9541-10745587815e" providerId="ADAL" clId="{02442C6C-0560-4BB5-A23F-D4CFE33765F5}" dt="2024-02-13T08:56:29.691" v="0" actId="47"/>
+        <pc:sldMkLst>
+          <pc:docMk/>
+          <pc:sldMk cId="2804697960" sldId="342"/>
+        </pc:sldMkLst>
+      </pc:sldChg>
+      <pc:sldChg chg="del">
+        <pc:chgData name="Serafin Patryk" userId="ce8cf8d3-b140-43f7-9541-10745587815e" providerId="ADAL" clId="{02442C6C-0560-4BB5-A23F-D4CFE33765F5}" dt="2024-02-13T08:56:29.691" v="0" actId="47"/>
+        <pc:sldMkLst>
+          <pc:docMk/>
+          <pc:sldMk cId="1105662468" sldId="343"/>
+        </pc:sldMkLst>
+      </pc:sldChg>
+      <pc:sldChg chg="del">
+        <pc:chgData name="Serafin Patryk" userId="ce8cf8d3-b140-43f7-9541-10745587815e" providerId="ADAL" clId="{02442C6C-0560-4BB5-A23F-D4CFE33765F5}" dt="2024-02-13T08:56:29.691" v="0" actId="47"/>
+        <pc:sldMkLst>
+          <pc:docMk/>
+          <pc:sldMk cId="1032655442" sldId="345"/>
+        </pc:sldMkLst>
+      </pc:sldChg>
+      <pc:sldChg chg="del">
+        <pc:chgData name="Serafin Patryk" userId="ce8cf8d3-b140-43f7-9541-10745587815e" providerId="ADAL" clId="{02442C6C-0560-4BB5-A23F-D4CFE33765F5}" dt="2024-02-13T08:56:29.691" v="0" actId="47"/>
+        <pc:sldMkLst>
+          <pc:docMk/>
+          <pc:sldMk cId="4210460240" sldId="347"/>
+        </pc:sldMkLst>
+      </pc:sldChg>
+      <pc:sldChg chg="del">
+        <pc:chgData name="Serafin Patryk" userId="ce8cf8d3-b140-43f7-9541-10745587815e" providerId="ADAL" clId="{02442C6C-0560-4BB5-A23F-D4CFE33765F5}" dt="2024-02-13T08:56:29.691" v="0" actId="47"/>
+        <pc:sldMkLst>
+          <pc:docMk/>
+          <pc:sldMk cId="1375018303" sldId="348"/>
+        </pc:sldMkLst>
+      </pc:sldChg>
+      <pc:sldChg chg="del">
+        <pc:chgData name="Serafin Patryk" userId="ce8cf8d3-b140-43f7-9541-10745587815e" providerId="ADAL" clId="{02442C6C-0560-4BB5-A23F-D4CFE33765F5}" dt="2024-02-13T08:56:29.691" v="0" actId="47"/>
+        <pc:sldMkLst>
+          <pc:docMk/>
+          <pc:sldMk cId="306327016" sldId="350"/>
+        </pc:sldMkLst>
+      </pc:sldChg>
+      <pc:sldChg chg="del">
+        <pc:chgData name="Serafin Patryk" userId="ce8cf8d3-b140-43f7-9541-10745587815e" providerId="ADAL" clId="{02442C6C-0560-4BB5-A23F-D4CFE33765F5}" dt="2024-02-13T08:56:29.691" v="0" actId="47"/>
+        <pc:sldMkLst>
+          <pc:docMk/>
+          <pc:sldMk cId="772389790" sldId="352"/>
+        </pc:sldMkLst>
+      </pc:sldChg>
+      <pc:sldChg chg="del">
+        <pc:chgData name="Serafin Patryk" userId="ce8cf8d3-b140-43f7-9541-10745587815e" providerId="ADAL" clId="{02442C6C-0560-4BB5-A23F-D4CFE33765F5}" dt="2024-02-13T08:56:29.691" v="0" actId="47"/>
+        <pc:sldMkLst>
+          <pc:docMk/>
+          <pc:sldMk cId="4199631364" sldId="353"/>
+        </pc:sldMkLst>
+      </pc:sldChg>
+      <pc:sldChg chg="del">
+        <pc:chgData name="Serafin Patryk" userId="ce8cf8d3-b140-43f7-9541-10745587815e" providerId="ADAL" clId="{02442C6C-0560-4BB5-A23F-D4CFE33765F5}" dt="2024-02-13T08:56:29.691" v="0" actId="47"/>
+        <pc:sldMkLst>
+          <pc:docMk/>
+          <pc:sldMk cId="574685674" sldId="355"/>
+        </pc:sldMkLst>
+      </pc:sldChg>
+      <pc:sldChg chg="del">
+        <pc:chgData name="Serafin Patryk" userId="ce8cf8d3-b140-43f7-9541-10745587815e" providerId="ADAL" clId="{02442C6C-0560-4BB5-A23F-D4CFE33765F5}" dt="2024-02-13T08:56:29.691" v="0" actId="47"/>
+        <pc:sldMkLst>
+          <pc:docMk/>
+          <pc:sldMk cId="2938863905" sldId="356"/>
+        </pc:sldMkLst>
+      </pc:sldChg>
+      <pc:sldChg chg="del">
+        <pc:chgData name="Serafin Patryk" userId="ce8cf8d3-b140-43f7-9541-10745587815e" providerId="ADAL" clId="{02442C6C-0560-4BB5-A23F-D4CFE33765F5}" dt="2024-02-13T08:56:29.691" v="0" actId="47"/>
+        <pc:sldMkLst>
+          <pc:docMk/>
+          <pc:sldMk cId="4113879274" sldId="358"/>
+        </pc:sldMkLst>
+      </pc:sldChg>
+      <pc:sldChg chg="del">
+        <pc:chgData name="Serafin Patryk" userId="ce8cf8d3-b140-43f7-9541-10745587815e" providerId="ADAL" clId="{02442C6C-0560-4BB5-A23F-D4CFE33765F5}" dt="2024-02-13T08:56:29.691" v="0" actId="47"/>
+        <pc:sldMkLst>
+          <pc:docMk/>
+          <pc:sldMk cId="571492126" sldId="359"/>
+        </pc:sldMkLst>
+      </pc:sldChg>
+      <pc:sldChg chg="del">
+        <pc:chgData name="Serafin Patryk" userId="ce8cf8d3-b140-43f7-9541-10745587815e" providerId="ADAL" clId="{02442C6C-0560-4BB5-A23F-D4CFE33765F5}" dt="2024-02-13T08:56:29.691" v="0" actId="47"/>
+        <pc:sldMkLst>
+          <pc:docMk/>
+          <pc:sldMk cId="3869047721" sldId="361"/>
+        </pc:sldMkLst>
+      </pc:sldChg>
+      <pc:sldChg chg="del">
+        <pc:chgData name="Serafin Patryk" userId="ce8cf8d3-b140-43f7-9541-10745587815e" providerId="ADAL" clId="{02442C6C-0560-4BB5-A23F-D4CFE33765F5}" dt="2024-02-13T08:56:29.691" v="0" actId="47"/>
+        <pc:sldMkLst>
+          <pc:docMk/>
+          <pc:sldMk cId="1574004732" sldId="365"/>
+        </pc:sldMkLst>
+      </pc:sldChg>
+      <pc:sldChg chg="del">
+        <pc:chgData name="Serafin Patryk" userId="ce8cf8d3-b140-43f7-9541-10745587815e" providerId="ADAL" clId="{02442C6C-0560-4BB5-A23F-D4CFE33765F5}" dt="2024-02-13T08:56:29.691" v="0" actId="47"/>
+        <pc:sldMkLst>
+          <pc:docMk/>
+          <pc:sldMk cId="2524299725" sldId="366"/>
+        </pc:sldMkLst>
+      </pc:sldChg>
+      <pc:sldChg chg="del">
+        <pc:chgData name="Serafin Patryk" userId="ce8cf8d3-b140-43f7-9541-10745587815e" providerId="ADAL" clId="{02442C6C-0560-4BB5-A23F-D4CFE33765F5}" dt="2024-02-13T08:56:29.691" v="0" actId="47"/>
+        <pc:sldMkLst>
+          <pc:docMk/>
+          <pc:sldMk cId="863844165" sldId="369"/>
+        </pc:sldMkLst>
+      </pc:sldChg>
+      <pc:sldChg chg="del">
+        <pc:chgData name="Serafin Patryk" userId="ce8cf8d3-b140-43f7-9541-10745587815e" providerId="ADAL" clId="{02442C6C-0560-4BB5-A23F-D4CFE33765F5}" dt="2024-02-13T08:56:29.691" v="0" actId="47"/>
+        <pc:sldMkLst>
+          <pc:docMk/>
+          <pc:sldMk cId="1140178177" sldId="372"/>
+        </pc:sldMkLst>
+      </pc:sldChg>
+      <pc:sldChg chg="del">
+        <pc:chgData name="Serafin Patryk" userId="ce8cf8d3-b140-43f7-9541-10745587815e" providerId="ADAL" clId="{02442C6C-0560-4BB5-A23F-D4CFE33765F5}" dt="2024-02-13T08:56:29.691" v="0" actId="47"/>
+        <pc:sldMkLst>
+          <pc:docMk/>
+          <pc:sldMk cId="1968622345" sldId="373"/>
+        </pc:sldMkLst>
+      </pc:sldChg>
+      <pc:sldChg chg="del">
+        <pc:chgData name="Serafin Patryk" userId="ce8cf8d3-b140-43f7-9541-10745587815e" providerId="ADAL" clId="{02442C6C-0560-4BB5-A23F-D4CFE33765F5}" dt="2024-02-13T08:56:29.691" v="0" actId="47"/>
+        <pc:sldMkLst>
+          <pc:docMk/>
+          <pc:sldMk cId="1180631931" sldId="377"/>
+        </pc:sldMkLst>
+      </pc:sldChg>
+      <pc:sldChg chg="del">
+        <pc:chgData name="Serafin Patryk" userId="ce8cf8d3-b140-43f7-9541-10745587815e" providerId="ADAL" clId="{02442C6C-0560-4BB5-A23F-D4CFE33765F5}" dt="2024-02-13T08:56:29.691" v="0" actId="47"/>
+        <pc:sldMkLst>
+          <pc:docMk/>
+          <pc:sldMk cId="289399001" sldId="378"/>
+        </pc:sldMkLst>
+      </pc:sldChg>
+      <pc:sldChg chg="del">
+        <pc:chgData name="Serafin Patryk" userId="ce8cf8d3-b140-43f7-9541-10745587815e" providerId="ADAL" clId="{02442C6C-0560-4BB5-A23F-D4CFE33765F5}" dt="2024-02-13T08:56:29.691" v="0" actId="47"/>
+        <pc:sldMkLst>
+          <pc:docMk/>
+          <pc:sldMk cId="3037249080" sldId="379"/>
+        </pc:sldMkLst>
+      </pc:sldChg>
+      <pc:sldChg chg="del">
+        <pc:chgData name="Serafin Patryk" userId="ce8cf8d3-b140-43f7-9541-10745587815e" providerId="ADAL" clId="{02442C6C-0560-4BB5-A23F-D4CFE33765F5}" dt="2024-02-13T08:56:29.691" v="0" actId="47"/>
+        <pc:sldMkLst>
+          <pc:docMk/>
+          <pc:sldMk cId="3265729095" sldId="380"/>
+        </pc:sldMkLst>
+      </pc:sldChg>
+      <pc:sldChg chg="del">
+        <pc:chgData name="Serafin Patryk" userId="ce8cf8d3-b140-43f7-9541-10745587815e" providerId="ADAL" clId="{02442C6C-0560-4BB5-A23F-D4CFE33765F5}" dt="2024-02-13T08:56:29.691" v="0" actId="47"/>
+        <pc:sldMkLst>
+          <pc:docMk/>
+          <pc:sldMk cId="1679453359" sldId="382"/>
+        </pc:sldMkLst>
+      </pc:sldChg>
+      <pc:sldChg chg="del">
+        <pc:chgData name="Serafin Patryk" userId="ce8cf8d3-b140-43f7-9541-10745587815e" providerId="ADAL" clId="{02442C6C-0560-4BB5-A23F-D4CFE33765F5}" dt="2024-02-13T08:56:29.691" v="0" actId="47"/>
+        <pc:sldMkLst>
+          <pc:docMk/>
+          <pc:sldMk cId="1325182425" sldId="383"/>
+        </pc:sldMkLst>
+      </pc:sldChg>
+      <pc:sldChg chg="del">
+        <pc:chgData name="Serafin Patryk" userId="ce8cf8d3-b140-43f7-9541-10745587815e" providerId="ADAL" clId="{02442C6C-0560-4BB5-A23F-D4CFE33765F5}" dt="2024-02-13T08:56:29.691" v="0" actId="47"/>
+        <pc:sldMkLst>
+          <pc:docMk/>
+          <pc:sldMk cId="1445120477" sldId="384"/>
+        </pc:sldMkLst>
+      </pc:sldChg>
+      <pc:sldChg chg="del">
+        <pc:chgData name="Serafin Patryk" userId="ce8cf8d3-b140-43f7-9541-10745587815e" providerId="ADAL" clId="{02442C6C-0560-4BB5-A23F-D4CFE33765F5}" dt="2024-02-13T08:56:29.691" v="0" actId="47"/>
+        <pc:sldMkLst>
+          <pc:docMk/>
+          <pc:sldMk cId="4126925163" sldId="386"/>
+        </pc:sldMkLst>
+      </pc:sldChg>
+      <pc:sldChg chg="del">
+        <pc:chgData name="Serafin Patryk" userId="ce8cf8d3-b140-43f7-9541-10745587815e" providerId="ADAL" clId="{02442C6C-0560-4BB5-A23F-D4CFE33765F5}" dt="2024-02-13T08:56:29.691" v="0" actId="47"/>
+        <pc:sldMkLst>
+          <pc:docMk/>
+          <pc:sldMk cId="2913523551" sldId="387"/>
+        </pc:sldMkLst>
+      </pc:sldChg>
+      <pc:sldChg chg="del">
+        <pc:chgData name="Serafin Patryk" userId="ce8cf8d3-b140-43f7-9541-10745587815e" providerId="ADAL" clId="{02442C6C-0560-4BB5-A23F-D4CFE33765F5}" dt="2024-02-13T08:56:29.691" v="0" actId="47"/>
+        <pc:sldMkLst>
+          <pc:docMk/>
+          <pc:sldMk cId="1024732099" sldId="388"/>
+        </pc:sldMkLst>
+      </pc:sldChg>
+      <pc:sldChg chg="del">
+        <pc:chgData name="Serafin Patryk" userId="ce8cf8d3-b140-43f7-9541-10745587815e" providerId="ADAL" clId="{02442C6C-0560-4BB5-A23F-D4CFE33765F5}" dt="2024-02-13T08:56:29.691" v="0" actId="47"/>
+        <pc:sldMkLst>
+          <pc:docMk/>
+          <pc:sldMk cId="3474997184" sldId="389"/>
+        </pc:sldMkLst>
+      </pc:sldChg>
+      <pc:sldChg chg="del">
+        <pc:chgData name="Serafin Patryk" userId="ce8cf8d3-b140-43f7-9541-10745587815e" providerId="ADAL" clId="{02442C6C-0560-4BB5-A23F-D4CFE33765F5}" dt="2024-02-13T08:56:29.691" v="0" actId="47"/>
+        <pc:sldMkLst>
+          <pc:docMk/>
+          <pc:sldMk cId="1929824641" sldId="390"/>
+        </pc:sldMkLst>
+      </pc:sldChg>
+      <pc:sldChg chg="del">
+        <pc:chgData name="Serafin Patryk" userId="ce8cf8d3-b140-43f7-9541-10745587815e" providerId="ADAL" clId="{02442C6C-0560-4BB5-A23F-D4CFE33765F5}" dt="2024-02-13T08:56:29.691" v="0" actId="47"/>
+        <pc:sldMkLst>
+          <pc:docMk/>
+          <pc:sldMk cId="1291732056" sldId="391"/>
+        </pc:sldMkLst>
+      </pc:sldChg>
+      <pc:sldChg chg="del">
+        <pc:chgData name="Serafin Patryk" userId="ce8cf8d3-b140-43f7-9541-10745587815e" providerId="ADAL" clId="{02442C6C-0560-4BB5-A23F-D4CFE33765F5}" dt="2024-02-13T08:56:29.691" v="0" actId="47"/>
+        <pc:sldMkLst>
+          <pc:docMk/>
+          <pc:sldMk cId="1722203733" sldId="392"/>
+        </pc:sldMkLst>
+      </pc:sldChg>
+      <pc:sldChg chg="del">
+        <pc:chgData name="Serafin Patryk" userId="ce8cf8d3-b140-43f7-9541-10745587815e" providerId="ADAL" clId="{02442C6C-0560-4BB5-A23F-D4CFE33765F5}" dt="2024-02-13T08:56:29.691" v="0" actId="47"/>
+        <pc:sldMkLst>
+          <pc:docMk/>
+          <pc:sldMk cId="1632462857" sldId="393"/>
+        </pc:sldMkLst>
+      </pc:sldChg>
+      <pc:sldChg chg="del">
+        <pc:chgData name="Serafin Patryk" userId="ce8cf8d3-b140-43f7-9541-10745587815e" providerId="ADAL" clId="{02442C6C-0560-4BB5-A23F-D4CFE33765F5}" dt="2024-02-13T08:56:29.691" v="0" actId="47"/>
+        <pc:sldMkLst>
+          <pc:docMk/>
+          <pc:sldMk cId="3795601868" sldId="394"/>
+        </pc:sldMkLst>
+      </pc:sldChg>
+      <pc:sldChg chg="del">
+        <pc:chgData name="Serafin Patryk" userId="ce8cf8d3-b140-43f7-9541-10745587815e" providerId="ADAL" clId="{02442C6C-0560-4BB5-A23F-D4CFE33765F5}" dt="2024-02-13T08:56:29.691" v="0" actId="47"/>
+        <pc:sldMkLst>
+          <pc:docMk/>
+          <pc:sldMk cId="2253785015" sldId="395"/>
+        </pc:sldMkLst>
+      </pc:sldChg>
+      <pc:sldChg chg="del">
+        <pc:chgData name="Serafin Patryk" userId="ce8cf8d3-b140-43f7-9541-10745587815e" providerId="ADAL" clId="{02442C6C-0560-4BB5-A23F-D4CFE33765F5}" dt="2024-02-13T08:56:29.691" v="0" actId="47"/>
+        <pc:sldMkLst>
+          <pc:docMk/>
+          <pc:sldMk cId="3168702749" sldId="396"/>
+        </pc:sldMkLst>
+      </pc:sldChg>
+      <pc:sldChg chg="del">
+        <pc:chgData name="Serafin Patryk" userId="ce8cf8d3-b140-43f7-9541-10745587815e" providerId="ADAL" clId="{02442C6C-0560-4BB5-A23F-D4CFE33765F5}" dt="2024-02-13T08:56:29.691" v="0" actId="47"/>
+        <pc:sldMkLst>
+          <pc:docMk/>
+          <pc:sldMk cId="611815902" sldId="397"/>
+        </pc:sldMkLst>
+      </pc:sldChg>
+      <pc:sldChg chg="del">
+        <pc:chgData name="Serafin Patryk" userId="ce8cf8d3-b140-43f7-9541-10745587815e" providerId="ADAL" clId="{02442C6C-0560-4BB5-A23F-D4CFE33765F5}" dt="2024-02-13T08:56:29.691" v="0" actId="47"/>
+        <pc:sldMkLst>
+          <pc:docMk/>
+          <pc:sldMk cId="1044922870" sldId="398"/>
+        </pc:sldMkLst>
+      </pc:sldChg>
+      <pc:sldChg chg="del">
+        <pc:chgData name="Serafin Patryk" userId="ce8cf8d3-b140-43f7-9541-10745587815e" providerId="ADAL" clId="{02442C6C-0560-4BB5-A23F-D4CFE33765F5}" dt="2024-02-13T08:56:29.691" v="0" actId="47"/>
+        <pc:sldMkLst>
+          <pc:docMk/>
+          <pc:sldMk cId="591530444" sldId="399"/>
+        </pc:sldMkLst>
+      </pc:sldChg>
+      <pc:sldChg chg="del">
+        <pc:chgData name="Serafin Patryk" userId="ce8cf8d3-b140-43f7-9541-10745587815e" providerId="ADAL" clId="{02442C6C-0560-4BB5-A23F-D4CFE33765F5}" dt="2024-02-13T08:56:29.691" v="0" actId="47"/>
+        <pc:sldMkLst>
+          <pc:docMk/>
+          <pc:sldMk cId="2779259546" sldId="400"/>
+        </pc:sldMkLst>
+      </pc:sldChg>
+      <pc:sldChg chg="del">
+        <pc:chgData name="Serafin Patryk" userId="ce8cf8d3-b140-43f7-9541-10745587815e" providerId="ADAL" clId="{02442C6C-0560-4BB5-A23F-D4CFE33765F5}" dt="2024-02-13T08:56:29.691" v="0" actId="47"/>
+        <pc:sldMkLst>
+          <pc:docMk/>
+          <pc:sldMk cId="1200670670" sldId="401"/>
+        </pc:sldMkLst>
+      </pc:sldChg>
+      <pc:sldChg chg="del">
+        <pc:chgData name="Serafin Patryk" userId="ce8cf8d3-b140-43f7-9541-10745587815e" providerId="ADAL" clId="{02442C6C-0560-4BB5-A23F-D4CFE33765F5}" dt="2024-02-13T08:56:29.691" v="0" actId="47"/>
+        <pc:sldMkLst>
+          <pc:docMk/>
+          <pc:sldMk cId="2846685813" sldId="402"/>
+        </pc:sldMkLst>
+      </pc:sldChg>
+      <pc:sldChg chg="del">
+        <pc:chgData name="Serafin Patryk" userId="ce8cf8d3-b140-43f7-9541-10745587815e" providerId="ADAL" clId="{02442C6C-0560-4BB5-A23F-D4CFE33765F5}" dt="2024-02-13T08:56:29.691" v="0" actId="47"/>
+        <pc:sldMkLst>
+          <pc:docMk/>
+          <pc:sldMk cId="3220451961" sldId="403"/>
+        </pc:sldMkLst>
+      </pc:sldChg>
+      <pc:sldChg chg="del">
+        <pc:chgData name="Serafin Patryk" userId="ce8cf8d3-b140-43f7-9541-10745587815e" providerId="ADAL" clId="{02442C6C-0560-4BB5-A23F-D4CFE33765F5}" dt="2024-02-13T08:56:29.691" v="0" actId="47"/>
+        <pc:sldMkLst>
+          <pc:docMk/>
+          <pc:sldMk cId="1292628003" sldId="404"/>
+        </pc:sldMkLst>
+      </pc:sldChg>
+      <pc:sldChg chg="del">
+        <pc:chgData name="Serafin Patryk" userId="ce8cf8d3-b140-43f7-9541-10745587815e" providerId="ADAL" clId="{02442C6C-0560-4BB5-A23F-D4CFE33765F5}" dt="2024-02-13T08:56:29.691" v="0" actId="47"/>
+        <pc:sldMkLst>
+          <pc:docMk/>
+          <pc:sldMk cId="2901713828" sldId="405"/>
+        </pc:sldMkLst>
+      </pc:sldChg>
+      <pc:sldChg chg="del">
+        <pc:chgData name="Serafin Patryk" userId="ce8cf8d3-b140-43f7-9541-10745587815e" providerId="ADAL" clId="{02442C6C-0560-4BB5-A23F-D4CFE33765F5}" dt="2024-02-13T08:56:29.691" v="0" actId="47"/>
+        <pc:sldMkLst>
+          <pc:docMk/>
+          <pc:sldMk cId="1175490119" sldId="406"/>
+        </pc:sldMkLst>
+      </pc:sldChg>
+      <pc:sldChg chg="del">
+        <pc:chgData name="Serafin Patryk" userId="ce8cf8d3-b140-43f7-9541-10745587815e" providerId="ADAL" clId="{02442C6C-0560-4BB5-A23F-D4CFE33765F5}" dt="2024-02-13T08:56:29.691" v="0" actId="47"/>
+        <pc:sldMkLst>
+          <pc:docMk/>
+          <pc:sldMk cId="2995400592" sldId="407"/>
+        </pc:sldMkLst>
+      </pc:sldChg>
+      <pc:sldChg chg="del">
+        <pc:chgData name="Serafin Patryk" userId="ce8cf8d3-b140-43f7-9541-10745587815e" providerId="ADAL" clId="{02442C6C-0560-4BB5-A23F-D4CFE33765F5}" dt="2024-02-13T08:56:29.691" v="0" actId="47"/>
+        <pc:sldMkLst>
+          <pc:docMk/>
+          <pc:sldMk cId="1249638887" sldId="408"/>
+        </pc:sldMkLst>
+      </pc:sldChg>
+      <pc:sldChg chg="del">
+        <pc:chgData name="Serafin Patryk" userId="ce8cf8d3-b140-43f7-9541-10745587815e" providerId="ADAL" clId="{02442C6C-0560-4BB5-A23F-D4CFE33765F5}" dt="2024-02-13T08:56:29.691" v="0" actId="47"/>
+        <pc:sldMkLst>
+          <pc:docMk/>
+          <pc:sldMk cId="915548103" sldId="409"/>
+        </pc:sldMkLst>
+      </pc:sldChg>
+      <pc:sldChg chg="del">
+        <pc:chgData name="Serafin Patryk" userId="ce8cf8d3-b140-43f7-9541-10745587815e" providerId="ADAL" clId="{02442C6C-0560-4BB5-A23F-D4CFE33765F5}" dt="2024-02-13T08:56:29.691" v="0" actId="47"/>
+        <pc:sldMkLst>
+          <pc:docMk/>
+          <pc:sldMk cId="3963804126" sldId="410"/>
+        </pc:sldMkLst>
+      </pc:sldChg>
+      <pc:sldChg chg="del">
+        <pc:chgData name="Serafin Patryk" userId="ce8cf8d3-b140-43f7-9541-10745587815e" providerId="ADAL" clId="{02442C6C-0560-4BB5-A23F-D4CFE33765F5}" dt="2024-02-13T08:56:29.691" v="0" actId="47"/>
+        <pc:sldMkLst>
+          <pc:docMk/>
+          <pc:sldMk cId="3093308458" sldId="411"/>
+        </pc:sldMkLst>
+      </pc:sldChg>
+      <pc:sldChg chg="del">
+        <pc:chgData name="Serafin Patryk" userId="ce8cf8d3-b140-43f7-9541-10745587815e" providerId="ADAL" clId="{02442C6C-0560-4BB5-A23F-D4CFE33765F5}" dt="2024-02-13T08:56:29.691" v="0" actId="47"/>
+        <pc:sldMkLst>
+          <pc:docMk/>
+          <pc:sldMk cId="3572792617" sldId="412"/>
+        </pc:sldMkLst>
+      </pc:sldChg>
+      <pc:sldChg chg="del">
+        <pc:chgData name="Serafin Patryk" userId="ce8cf8d3-b140-43f7-9541-10745587815e" providerId="ADAL" clId="{02442C6C-0560-4BB5-A23F-D4CFE33765F5}" dt="2024-02-13T08:56:29.691" v="0" actId="47"/>
+        <pc:sldMkLst>
+          <pc:docMk/>
+          <pc:sldMk cId="902559619" sldId="413"/>
+        </pc:sldMkLst>
+      </pc:sldChg>
+      <pc:sldChg chg="del">
+        <pc:chgData name="Serafin Patryk" userId="ce8cf8d3-b140-43f7-9541-10745587815e" providerId="ADAL" clId="{02442C6C-0560-4BB5-A23F-D4CFE33765F5}" dt="2024-02-13T08:56:29.691" v="0" actId="47"/>
+        <pc:sldMkLst>
+          <pc:docMk/>
+          <pc:sldMk cId="3303263368" sldId="414"/>
+        </pc:sldMkLst>
+      </pc:sldChg>
+      <pc:sldChg chg="del">
+        <pc:chgData name="Serafin Patryk" userId="ce8cf8d3-b140-43f7-9541-10745587815e" providerId="ADAL" clId="{02442C6C-0560-4BB5-A23F-D4CFE33765F5}" dt="2024-02-13T08:56:29.691" v="0" actId="47"/>
+        <pc:sldMkLst>
+          <pc:docMk/>
+          <pc:sldMk cId="525475236" sldId="415"/>
+        </pc:sldMkLst>
+      </pc:sldChg>
+      <pc:sldChg chg="del">
+        <pc:chgData name="Serafin Patryk" userId="ce8cf8d3-b140-43f7-9541-10745587815e" providerId="ADAL" clId="{02442C6C-0560-4BB5-A23F-D4CFE33765F5}" dt="2024-02-13T08:56:29.691" v="0" actId="47"/>
+        <pc:sldMkLst>
+          <pc:docMk/>
+          <pc:sldMk cId="3759454836" sldId="416"/>
+        </pc:sldMkLst>
+      </pc:sldChg>
+      <pc:sldChg chg="del">
+        <pc:chgData name="Serafin Patryk" userId="ce8cf8d3-b140-43f7-9541-10745587815e" providerId="ADAL" clId="{02442C6C-0560-4BB5-A23F-D4CFE33765F5}" dt="2024-02-13T08:56:29.691" v="0" actId="47"/>
+        <pc:sldMkLst>
+          <pc:docMk/>
+          <pc:sldMk cId="2814370535" sldId="421"/>
+        </pc:sldMkLst>
+      </pc:sldChg>
+      <pc:sldChg chg="del">
+        <pc:chgData name="Serafin Patryk" userId="ce8cf8d3-b140-43f7-9541-10745587815e" providerId="ADAL" clId="{02442C6C-0560-4BB5-A23F-D4CFE33765F5}" dt="2024-02-13T08:56:29.691" v="0" actId="47"/>
+        <pc:sldMkLst>
+          <pc:docMk/>
+          <pc:sldMk cId="925758333" sldId="422"/>
+        </pc:sldMkLst>
+      </pc:sldChg>
+      <pc:sldChg chg="del">
+        <pc:chgData name="Serafin Patryk" userId="ce8cf8d3-b140-43f7-9541-10745587815e" providerId="ADAL" clId="{02442C6C-0560-4BB5-A23F-D4CFE33765F5}" dt="2024-02-13T08:56:29.691" v="0" actId="47"/>
+        <pc:sldMkLst>
+          <pc:docMk/>
+          <pc:sldMk cId="1426184852" sldId="423"/>
+        </pc:sldMkLst>
+      </pc:sldChg>
+      <pc:sldChg chg="del">
+        <pc:chgData name="Serafin Patryk" userId="ce8cf8d3-b140-43f7-9541-10745587815e" providerId="ADAL" clId="{02442C6C-0560-4BB5-A23F-D4CFE33765F5}" dt="2024-02-13T08:56:29.691" v="0" actId="47"/>
+        <pc:sldMkLst>
+          <pc:docMk/>
+          <pc:sldMk cId="1852254844" sldId="424"/>
+        </pc:sldMkLst>
+      </pc:sldChg>
+      <pc:sldChg chg="del">
+        <pc:chgData name="Serafin Patryk" userId="ce8cf8d3-b140-43f7-9541-10745587815e" providerId="ADAL" clId="{02442C6C-0560-4BB5-A23F-D4CFE33765F5}" dt="2024-02-13T08:56:29.691" v="0" actId="47"/>
+        <pc:sldMkLst>
+          <pc:docMk/>
+          <pc:sldMk cId="162257550" sldId="425"/>
+        </pc:sldMkLst>
+      </pc:sldChg>
+      <pc:sldChg chg="del">
+        <pc:chgData name="Serafin Patryk" userId="ce8cf8d3-b140-43f7-9541-10745587815e" providerId="ADAL" clId="{02442C6C-0560-4BB5-A23F-D4CFE33765F5}" dt="2024-02-13T08:56:29.691" v="0" actId="47"/>
+        <pc:sldMkLst>
+          <pc:docMk/>
+          <pc:sldMk cId="662022885" sldId="426"/>
+        </pc:sldMkLst>
+      </pc:sldChg>
+      <pc:sldChg chg="del">
+        <pc:chgData name="Serafin Patryk" userId="ce8cf8d3-b140-43f7-9541-10745587815e" providerId="ADAL" clId="{02442C6C-0560-4BB5-A23F-D4CFE33765F5}" dt="2024-03-06T09:00:14.693" v="158" actId="47"/>
+        <pc:sldMkLst>
+          <pc:docMk/>
+          <pc:sldMk cId="1509778692" sldId="427"/>
+        </pc:sldMkLst>
+      </pc:sldChg>
+      <pc:sldChg chg="addSp delSp modSp new mod setBg addAnim delAnim modAnim">
+        <pc:chgData name="Serafin Patryk" userId="ce8cf8d3-b140-43f7-9541-10745587815e" providerId="ADAL" clId="{02442C6C-0560-4BB5-A23F-D4CFE33765F5}" dt="2024-02-13T08:59:30.741" v="133"/>
+        <pc:sldMkLst>
+          <pc:docMk/>
+          <pc:sldMk cId="841064069" sldId="428"/>
+        </pc:sldMkLst>
+        <pc:spChg chg="mod ord">
+          <ac:chgData name="Serafin Patryk" userId="ce8cf8d3-b140-43f7-9541-10745587815e" providerId="ADAL" clId="{02442C6C-0560-4BB5-A23F-D4CFE33765F5}" dt="2024-02-13T08:59:09.265" v="127" actId="26606"/>
+          <ac:spMkLst>
+            <pc:docMk/>
+            <pc:sldMk cId="841064069" sldId="428"/>
+            <ac:spMk id="2" creationId="{4AB49386-9C99-BC76-64F6-B8B221408481}"/>
+          </ac:spMkLst>
+        </pc:spChg>
+        <pc:spChg chg="mod">
+          <ac:chgData name="Serafin Patryk" userId="ce8cf8d3-b140-43f7-9541-10745587815e" providerId="ADAL" clId="{02442C6C-0560-4BB5-A23F-D4CFE33765F5}" dt="2024-02-13T08:59:22.091" v="132" actId="207"/>
+          <ac:spMkLst>
+            <pc:docMk/>
+            <pc:sldMk cId="841064069" sldId="428"/>
+            <ac:spMk id="3" creationId="{DBE75581-F70E-B0F9-BA00-340A0FB52DE5}"/>
+          </ac:spMkLst>
+        </pc:spChg>
+        <pc:spChg chg="add del">
+          <ac:chgData name="Serafin Patryk" userId="ce8cf8d3-b140-43f7-9541-10745587815e" providerId="ADAL" clId="{02442C6C-0560-4BB5-A23F-D4CFE33765F5}" dt="2024-02-13T08:58:41.435" v="121" actId="26606"/>
+          <ac:spMkLst>
+            <pc:docMk/>
+            <pc:sldMk cId="841064069" sldId="428"/>
+            <ac:spMk id="9" creationId="{E01013C5-0169-8F8C-FA57-62D87022AD98}"/>
+          </ac:spMkLst>
+        </pc:spChg>
+        <pc:spChg chg="add del">
+          <ac:chgData name="Serafin Patryk" userId="ce8cf8d3-b140-43f7-9541-10745587815e" providerId="ADAL" clId="{02442C6C-0560-4BB5-A23F-D4CFE33765F5}" dt="2024-02-13T08:58:41.435" v="121" actId="26606"/>
+          <ac:spMkLst>
+            <pc:docMk/>
+            <pc:sldMk cId="841064069" sldId="428"/>
+            <ac:spMk id="11" creationId="{A9CCD9CD-49AE-3D3E-923B-81ECD3FBF75F}"/>
+          </ac:spMkLst>
+        </pc:spChg>
+        <pc:spChg chg="add del">
+          <ac:chgData name="Serafin Patryk" userId="ce8cf8d3-b140-43f7-9541-10745587815e" providerId="ADAL" clId="{02442C6C-0560-4BB5-A23F-D4CFE33765F5}" dt="2024-02-13T08:59:10.639" v="128" actId="26606"/>
+          <ac:spMkLst>
+            <pc:docMk/>
+            <pc:sldMk cId="841064069" sldId="428"/>
+            <ac:spMk id="13" creationId="{92CC1E4F-F1F0-B945-BE50-C72A7103E8AC}"/>
+          </ac:spMkLst>
+        </pc:spChg>
+        <pc:spChg chg="add">
+          <ac:chgData name="Serafin Patryk" userId="ce8cf8d3-b140-43f7-9541-10745587815e" providerId="ADAL" clId="{02442C6C-0560-4BB5-A23F-D4CFE33765F5}" dt="2024-02-13T08:59:10.639" v="128" actId="26606"/>
+          <ac:spMkLst>
+            <pc:docMk/>
+            <pc:sldMk cId="841064069" sldId="428"/>
+            <ac:spMk id="16" creationId="{92CC1E4F-F1F0-B945-BE50-C72A7103E8AC}"/>
+          </ac:spMkLst>
+        </pc:spChg>
+        <pc:spChg chg="add del">
+          <ac:chgData name="Serafin Patryk" userId="ce8cf8d3-b140-43f7-9541-10745587815e" providerId="ADAL" clId="{02442C6C-0560-4BB5-A23F-D4CFE33765F5}" dt="2024-02-13T08:59:09.265" v="127" actId="26606"/>
+          <ac:spMkLst>
+            <pc:docMk/>
+            <pc:sldMk cId="841064069" sldId="428"/>
+            <ac:spMk id="19" creationId="{7A875D55-4A80-43E9-38F6-27E3664939B0}"/>
+          </ac:spMkLst>
+        </pc:spChg>
+        <pc:spChg chg="add del">
+          <ac:chgData name="Serafin Patryk" userId="ce8cf8d3-b140-43f7-9541-10745587815e" providerId="ADAL" clId="{02442C6C-0560-4BB5-A23F-D4CFE33765F5}" dt="2024-02-13T08:59:09.265" v="127" actId="26606"/>
+          <ac:spMkLst>
+            <pc:docMk/>
+            <pc:sldMk cId="841064069" sldId="428"/>
+            <ac:spMk id="21" creationId="{3D572980-FB84-8C29-1FAC-FAC5ECE29A39}"/>
+          </ac:spMkLst>
+        </pc:spChg>
+        <pc:picChg chg="add del">
+          <ac:chgData name="Serafin Patryk" userId="ce8cf8d3-b140-43f7-9541-10745587815e" providerId="ADAL" clId="{02442C6C-0560-4BB5-A23F-D4CFE33765F5}" dt="2024-02-13T08:58:41.435" v="121" actId="26606"/>
+          <ac:picMkLst>
+            <pc:docMk/>
+            <pc:sldMk cId="841064069" sldId="428"/>
+            <ac:picMk id="5" creationId="{BDB1838A-7BAD-C111-EA04-DC30330DF3FA}"/>
+          </ac:picMkLst>
+        </pc:picChg>
+        <pc:picChg chg="add mod">
+          <ac:chgData name="Serafin Patryk" userId="ce8cf8d3-b140-43f7-9541-10745587815e" providerId="ADAL" clId="{02442C6C-0560-4BB5-A23F-D4CFE33765F5}" dt="2024-02-13T08:59:10.639" v="128" actId="26606"/>
+          <ac:picMkLst>
+            <pc:docMk/>
+            <pc:sldMk cId="841064069" sldId="428"/>
+            <ac:picMk id="14" creationId="{9E8B161F-9D79-E167-9D28-7B42E20ACCB5}"/>
+          </ac:picMkLst>
+        </pc:picChg>
+      </pc:sldChg>
+      <pc:sldChg chg="modSp new del mod">
+        <pc:chgData name="Serafin Patryk" userId="ce8cf8d3-b140-43f7-9541-10745587815e" providerId="ADAL" clId="{02442C6C-0560-4BB5-A23F-D4CFE33765F5}" dt="2024-03-04T07:11:28.414" v="156" actId="47"/>
+        <pc:sldMkLst>
+          <pc:docMk/>
+          <pc:sldMk cId="1479176455" sldId="429"/>
+        </pc:sldMkLst>
+        <pc:spChg chg="mod">
+          <ac:chgData name="Serafin Patryk" userId="ce8cf8d3-b140-43f7-9541-10745587815e" providerId="ADAL" clId="{02442C6C-0560-4BB5-A23F-D4CFE33765F5}" dt="2024-03-04T07:11:00.785" v="140" actId="20577"/>
+          <ac:spMkLst>
+            <pc:docMk/>
+            <pc:sldMk cId="1479176455" sldId="429"/>
+            <ac:spMk id="2" creationId="{EB1DD5BF-8CE4-2E32-AAF5-F980E40A6DB6}"/>
+          </ac:spMkLst>
+        </pc:spChg>
+        <pc:spChg chg="mod">
+          <ac:chgData name="Serafin Patryk" userId="ce8cf8d3-b140-43f7-9541-10745587815e" providerId="ADAL" clId="{02442C6C-0560-4BB5-A23F-D4CFE33765F5}" dt="2024-03-04T07:11:06.981" v="144" actId="20577"/>
+          <ac:spMkLst>
+            <pc:docMk/>
+            <pc:sldMk cId="1479176455" sldId="429"/>
+            <ac:spMk id="3" creationId="{CA8ACA1B-0998-10AF-44EF-BB7E4519ED30}"/>
+          </ac:spMkLst>
+        </pc:spChg>
+      </pc:sldChg>
+      <pc:sldChg chg="modSp del mod">
+        <pc:chgData name="Serafin Patryk" userId="ce8cf8d3-b140-43f7-9541-10745587815e" providerId="ADAL" clId="{02442C6C-0560-4BB5-A23F-D4CFE33765F5}" dt="2024-03-04T07:40:54.737" v="157" actId="47"/>
+        <pc:sldMkLst>
+          <pc:docMk/>
+          <pc:sldMk cId="3741600984" sldId="430"/>
+        </pc:sldMkLst>
+        <pc:spChg chg="mod">
+          <ac:chgData name="Serafin Patryk" userId="ce8cf8d3-b140-43f7-9541-10745587815e" providerId="ADAL" clId="{02442C6C-0560-4BB5-A23F-D4CFE33765F5}" dt="2024-03-04T07:11:26.655" v="155" actId="20577"/>
+          <ac:spMkLst>
+            <pc:docMk/>
+            <pc:sldMk cId="3741600984" sldId="430"/>
+            <ac:spMk id="2" creationId="{3463C828-43C4-1DCA-3893-256A352B6953}"/>
+          </ac:spMkLst>
+        </pc:spChg>
+        <pc:spChg chg="mod">
+          <ac:chgData name="Serafin Patryk" userId="ce8cf8d3-b140-43f7-9541-10745587815e" providerId="ADAL" clId="{02442C6C-0560-4BB5-A23F-D4CFE33765F5}" dt="2024-03-04T07:11:22.718" v="149" actId="207"/>
+          <ac:spMkLst>
+            <pc:docMk/>
+            <pc:sldMk cId="3741600984" sldId="430"/>
+            <ac:spMk id="3" creationId="{49FBCD09-CB42-0F17-C6CF-FF817A3EC6D1}"/>
+          </ac:spMkLst>
+        </pc:spChg>
+      </pc:sldChg>
+    </pc:docChg>
+  </pc:docChgLst>
   <pc:docChgLst>
     <pc:chgData name="Serafin Patryk" userId="ce8cf8d3-b140-43f7-9541-10745587815e" providerId="ADAL" clId="{9B6C8081-79AC-4E5A-94B5-A1550F67EA47}"/>
     <pc:docChg chg="undo custSel addSld delSld modSld sldOrd">
@@ -414,22 +1345,6 @@
             <ac:picMk id="4" creationId="{17B6778A-D52F-1FBF-0732-AC5399C2DA73}"/>
           </ac:picMkLst>
         </pc:picChg>
-      </pc:sldChg>
-    </pc:docChg>
-  </pc:docChgLst>
-  <pc:docChgLst>
-    <pc:chgData name="Serafin Patryk" userId="ce8cf8d3-b140-43f7-9541-10745587815e" providerId="ADAL" clId="{F89A7370-7D17-4BFD-9244-D92E9A2D09D2}"/>
-    <pc:docChg chg="delSld">
-      <pc:chgData name="Serafin Patryk" userId="ce8cf8d3-b140-43f7-9541-10745587815e" providerId="ADAL" clId="{F89A7370-7D17-4BFD-9244-D92E9A2D09D2}" dt="2024-02-13T09:01:25.920" v="0" actId="47"/>
-      <pc:docMkLst>
-        <pc:docMk/>
-      </pc:docMkLst>
-      <pc:sldChg chg="del">
-        <pc:chgData name="Serafin Patryk" userId="ce8cf8d3-b140-43f7-9541-10745587815e" providerId="ADAL" clId="{F89A7370-7D17-4BFD-9244-D92E9A2D09D2}" dt="2024-02-13T09:01:25.920" v="0" actId="47"/>
-        <pc:sldMkLst>
-          <pc:docMk/>
-          <pc:sldMk cId="1509778692" sldId="427"/>
-        </pc:sldMkLst>
       </pc:sldChg>
     </pc:docChg>
   </pc:docChgLst>
@@ -5996,885 +6911,6 @@
           </pc:sldLayoutMkLst>
         </pc:sldLayoutChg>
       </pc:sldMasterChg>
-    </pc:docChg>
-  </pc:docChgLst>
-  <pc:docChgLst>
-    <pc:chgData name="Serafin Patryk" userId="ce8cf8d3-b140-43f7-9541-10745587815e" providerId="ADAL" clId="{6E43ECB8-3BC8-4895-A2CB-F69B72AF65E4}"/>
-    <pc:docChg chg="undo custSel addSld delSld modSld">
-      <pc:chgData name="Serafin Patryk" userId="ce8cf8d3-b140-43f7-9541-10745587815e" providerId="ADAL" clId="{6E43ECB8-3BC8-4895-A2CB-F69B72AF65E4}" dt="2024-02-11T16:54:43.092" v="195" actId="207"/>
-      <pc:docMkLst>
-        <pc:docMk/>
-      </pc:docMkLst>
-      <pc:sldChg chg="del">
-        <pc:chgData name="Serafin Patryk" userId="ce8cf8d3-b140-43f7-9541-10745587815e" providerId="ADAL" clId="{6E43ECB8-3BC8-4895-A2CB-F69B72AF65E4}" dt="2024-02-11T15:12:06.996" v="186" actId="47"/>
-        <pc:sldMkLst>
-          <pc:docMk/>
-          <pc:sldMk cId="2922012136" sldId="303"/>
-        </pc:sldMkLst>
-      </pc:sldChg>
-      <pc:sldChg chg="modSp mod">
-        <pc:chgData name="Serafin Patryk" userId="ce8cf8d3-b140-43f7-9541-10745587815e" providerId="ADAL" clId="{6E43ECB8-3BC8-4895-A2CB-F69B72AF65E4}" dt="2024-02-11T15:12:15.570" v="187" actId="20577"/>
-        <pc:sldMkLst>
-          <pc:docMk/>
-          <pc:sldMk cId="2549208066" sldId="339"/>
-        </pc:sldMkLst>
-        <pc:spChg chg="mod">
-          <ac:chgData name="Serafin Patryk" userId="ce8cf8d3-b140-43f7-9541-10745587815e" providerId="ADAL" clId="{6E43ECB8-3BC8-4895-A2CB-F69B72AF65E4}" dt="2024-02-11T15:12:15.570" v="187" actId="20577"/>
-          <ac:spMkLst>
-            <pc:docMk/>
-            <pc:sldMk cId="2549208066" sldId="339"/>
-            <ac:spMk id="3" creationId="{11AFB673-4EE6-B2CC-A657-604E76AEAF8A}"/>
-          </ac:spMkLst>
-        </pc:spChg>
-      </pc:sldChg>
-      <pc:sldChg chg="modSp add mod">
-        <pc:chgData name="Serafin Patryk" userId="ce8cf8d3-b140-43f7-9541-10745587815e" providerId="ADAL" clId="{6E43ECB8-3BC8-4895-A2CB-F69B72AF65E4}" dt="2024-02-11T15:08:23.786" v="128" actId="20577"/>
-        <pc:sldMkLst>
-          <pc:docMk/>
-          <pc:sldMk cId="1249638887" sldId="408"/>
-        </pc:sldMkLst>
-        <pc:spChg chg="mod">
-          <ac:chgData name="Serafin Patryk" userId="ce8cf8d3-b140-43f7-9541-10745587815e" providerId="ADAL" clId="{6E43ECB8-3BC8-4895-A2CB-F69B72AF65E4}" dt="2024-02-11T15:07:47.689" v="10" actId="20577"/>
-          <ac:spMkLst>
-            <pc:docMk/>
-            <pc:sldMk cId="1249638887" sldId="408"/>
-            <ac:spMk id="2" creationId="{5644E211-402B-3CFB-273A-3475E0D31EB9}"/>
-          </ac:spMkLst>
-        </pc:spChg>
-        <pc:spChg chg="mod">
-          <ac:chgData name="Serafin Patryk" userId="ce8cf8d3-b140-43f7-9541-10745587815e" providerId="ADAL" clId="{6E43ECB8-3BC8-4895-A2CB-F69B72AF65E4}" dt="2024-02-11T15:08:23.786" v="128" actId="20577"/>
-          <ac:spMkLst>
-            <pc:docMk/>
-            <pc:sldMk cId="1249638887" sldId="408"/>
-            <ac:spMk id="3" creationId="{9B8CA6D6-702B-62B3-FD39-07B30F82E4AE}"/>
-          </ac:spMkLst>
-        </pc:spChg>
-      </pc:sldChg>
-      <pc:sldChg chg="modSp add mod">
-        <pc:chgData name="Serafin Patryk" userId="ce8cf8d3-b140-43f7-9541-10745587815e" providerId="ADAL" clId="{6E43ECB8-3BC8-4895-A2CB-F69B72AF65E4}" dt="2024-02-11T15:08:54.305" v="130"/>
-        <pc:sldMkLst>
-          <pc:docMk/>
-          <pc:sldMk cId="915548103" sldId="409"/>
-        </pc:sldMkLst>
-        <pc:spChg chg="mod">
-          <ac:chgData name="Serafin Patryk" userId="ce8cf8d3-b140-43f7-9541-10745587815e" providerId="ADAL" clId="{6E43ECB8-3BC8-4895-A2CB-F69B72AF65E4}" dt="2024-02-11T15:08:54.305" v="130"/>
-          <ac:spMkLst>
-            <pc:docMk/>
-            <pc:sldMk cId="915548103" sldId="409"/>
-            <ac:spMk id="4" creationId="{4F0D965B-416F-E1B1-2346-9CB2F1970FDC}"/>
-          </ac:spMkLst>
-        </pc:spChg>
-      </pc:sldChg>
-      <pc:sldChg chg="modSp add mod">
-        <pc:chgData name="Serafin Patryk" userId="ce8cf8d3-b140-43f7-9541-10745587815e" providerId="ADAL" clId="{6E43ECB8-3BC8-4895-A2CB-F69B72AF65E4}" dt="2024-02-11T15:09:48.847" v="144" actId="20577"/>
-        <pc:sldMkLst>
-          <pc:docMk/>
-          <pc:sldMk cId="3963804126" sldId="410"/>
-        </pc:sldMkLst>
-        <pc:spChg chg="mod">
-          <ac:chgData name="Serafin Patryk" userId="ce8cf8d3-b140-43f7-9541-10745587815e" providerId="ADAL" clId="{6E43ECB8-3BC8-4895-A2CB-F69B72AF65E4}" dt="2024-02-11T15:09:36.018" v="135" actId="20577"/>
-          <ac:spMkLst>
-            <pc:docMk/>
-            <pc:sldMk cId="3963804126" sldId="410"/>
-            <ac:spMk id="2" creationId="{CCD44DC2-7C45-6184-F6F8-0BFF37411A1F}"/>
-          </ac:spMkLst>
-        </pc:spChg>
-        <pc:spChg chg="mod">
-          <ac:chgData name="Serafin Patryk" userId="ce8cf8d3-b140-43f7-9541-10745587815e" providerId="ADAL" clId="{6E43ECB8-3BC8-4895-A2CB-F69B72AF65E4}" dt="2024-02-11T15:09:48.847" v="144" actId="20577"/>
-          <ac:spMkLst>
-            <pc:docMk/>
-            <pc:sldMk cId="3963804126" sldId="410"/>
-            <ac:spMk id="3" creationId="{B843A6CA-7B0B-D251-BDC1-A22B62F63113}"/>
-          </ac:spMkLst>
-        </pc:spChg>
-      </pc:sldChg>
-      <pc:sldChg chg="modSp add mod">
-        <pc:chgData name="Serafin Patryk" userId="ce8cf8d3-b140-43f7-9541-10745587815e" providerId="ADAL" clId="{6E43ECB8-3BC8-4895-A2CB-F69B72AF65E4}" dt="2024-02-11T15:10:10.974" v="145"/>
-        <pc:sldMkLst>
-          <pc:docMk/>
-          <pc:sldMk cId="3093308458" sldId="411"/>
-        </pc:sldMkLst>
-        <pc:spChg chg="mod">
-          <ac:chgData name="Serafin Patryk" userId="ce8cf8d3-b140-43f7-9541-10745587815e" providerId="ADAL" clId="{6E43ECB8-3BC8-4895-A2CB-F69B72AF65E4}" dt="2024-02-11T15:10:10.974" v="145"/>
-          <ac:spMkLst>
-            <pc:docMk/>
-            <pc:sldMk cId="3093308458" sldId="411"/>
-            <ac:spMk id="4" creationId="{5BD565A4-0AAC-1677-9292-C484B878A365}"/>
-          </ac:spMkLst>
-        </pc:spChg>
-      </pc:sldChg>
-      <pc:sldChg chg="modSp add mod">
-        <pc:chgData name="Serafin Patryk" userId="ce8cf8d3-b140-43f7-9541-10745587815e" providerId="ADAL" clId="{6E43ECB8-3BC8-4895-A2CB-F69B72AF65E4}" dt="2024-02-11T15:10:57.093" v="165" actId="313"/>
-        <pc:sldMkLst>
-          <pc:docMk/>
-          <pc:sldMk cId="3572792617" sldId="412"/>
-        </pc:sldMkLst>
-        <pc:spChg chg="mod">
-          <ac:chgData name="Serafin Patryk" userId="ce8cf8d3-b140-43f7-9541-10745587815e" providerId="ADAL" clId="{6E43ECB8-3BC8-4895-A2CB-F69B72AF65E4}" dt="2024-02-11T15:10:21.808" v="151" actId="20577"/>
-          <ac:spMkLst>
-            <pc:docMk/>
-            <pc:sldMk cId="3572792617" sldId="412"/>
-            <ac:spMk id="2" creationId="{77EE8518-375F-C20A-8DF1-0C9EA2871F82}"/>
-          </ac:spMkLst>
-        </pc:spChg>
-        <pc:spChg chg="mod">
-          <ac:chgData name="Serafin Patryk" userId="ce8cf8d3-b140-43f7-9541-10745587815e" providerId="ADAL" clId="{6E43ECB8-3BC8-4895-A2CB-F69B72AF65E4}" dt="2024-02-11T15:10:57.093" v="165" actId="313"/>
-          <ac:spMkLst>
-            <pc:docMk/>
-            <pc:sldMk cId="3572792617" sldId="412"/>
-            <ac:spMk id="3" creationId="{461E5007-D393-F03D-ACBA-9830E39EAD11}"/>
-          </ac:spMkLst>
-        </pc:spChg>
-      </pc:sldChg>
-      <pc:sldChg chg="modSp add mod">
-        <pc:chgData name="Serafin Patryk" userId="ce8cf8d3-b140-43f7-9541-10745587815e" providerId="ADAL" clId="{6E43ECB8-3BC8-4895-A2CB-F69B72AF65E4}" dt="2024-02-11T15:11:09.696" v="166"/>
-        <pc:sldMkLst>
-          <pc:docMk/>
-          <pc:sldMk cId="902559619" sldId="413"/>
-        </pc:sldMkLst>
-        <pc:spChg chg="mod">
-          <ac:chgData name="Serafin Patryk" userId="ce8cf8d3-b140-43f7-9541-10745587815e" providerId="ADAL" clId="{6E43ECB8-3BC8-4895-A2CB-F69B72AF65E4}" dt="2024-02-11T15:11:09.696" v="166"/>
-          <ac:spMkLst>
-            <pc:docMk/>
-            <pc:sldMk cId="902559619" sldId="413"/>
-            <ac:spMk id="4" creationId="{E1CBA04C-6E31-A139-4596-D60E8E3B40D9}"/>
-          </ac:spMkLst>
-        </pc:spChg>
-      </pc:sldChg>
-      <pc:sldChg chg="modSp add mod">
-        <pc:chgData name="Serafin Patryk" userId="ce8cf8d3-b140-43f7-9541-10745587815e" providerId="ADAL" clId="{6E43ECB8-3BC8-4895-A2CB-F69B72AF65E4}" dt="2024-02-11T15:11:47.242" v="182" actId="313"/>
-        <pc:sldMkLst>
-          <pc:docMk/>
-          <pc:sldMk cId="3303263368" sldId="414"/>
-        </pc:sldMkLst>
-        <pc:spChg chg="mod">
-          <ac:chgData name="Serafin Patryk" userId="ce8cf8d3-b140-43f7-9541-10745587815e" providerId="ADAL" clId="{6E43ECB8-3BC8-4895-A2CB-F69B72AF65E4}" dt="2024-02-11T15:11:23.113" v="172" actId="20577"/>
-          <ac:spMkLst>
-            <pc:docMk/>
-            <pc:sldMk cId="3303263368" sldId="414"/>
-            <ac:spMk id="2" creationId="{27A8A985-83CD-BC4F-B993-78937B7C32B8}"/>
-          </ac:spMkLst>
-        </pc:spChg>
-        <pc:spChg chg="mod">
-          <ac:chgData name="Serafin Patryk" userId="ce8cf8d3-b140-43f7-9541-10745587815e" providerId="ADAL" clId="{6E43ECB8-3BC8-4895-A2CB-F69B72AF65E4}" dt="2024-02-11T15:11:47.242" v="182" actId="313"/>
-          <ac:spMkLst>
-            <pc:docMk/>
-            <pc:sldMk cId="3303263368" sldId="414"/>
-            <ac:spMk id="3" creationId="{B33C29EA-B023-59B7-E82D-ADE2DE042D6A}"/>
-          </ac:spMkLst>
-        </pc:spChg>
-      </pc:sldChg>
-      <pc:sldChg chg="modSp add mod">
-        <pc:chgData name="Serafin Patryk" userId="ce8cf8d3-b140-43f7-9541-10745587815e" providerId="ADAL" clId="{6E43ECB8-3BC8-4895-A2CB-F69B72AF65E4}" dt="2024-02-11T15:12:01.012" v="185"/>
-        <pc:sldMkLst>
-          <pc:docMk/>
-          <pc:sldMk cId="525475236" sldId="415"/>
-        </pc:sldMkLst>
-        <pc:spChg chg="mod">
-          <ac:chgData name="Serafin Patryk" userId="ce8cf8d3-b140-43f7-9541-10745587815e" providerId="ADAL" clId="{6E43ECB8-3BC8-4895-A2CB-F69B72AF65E4}" dt="2024-02-11T15:12:01.012" v="185"/>
-          <ac:spMkLst>
-            <pc:docMk/>
-            <pc:sldMk cId="525475236" sldId="415"/>
-            <ac:spMk id="4" creationId="{B9F7CF27-CA63-EBBD-04D7-9B434B2793D2}"/>
-          </ac:spMkLst>
-        </pc:spChg>
-      </pc:sldChg>
-      <pc:sldChg chg="modSp add mod">
-        <pc:chgData name="Serafin Patryk" userId="ce8cf8d3-b140-43f7-9541-10745587815e" providerId="ADAL" clId="{6E43ECB8-3BC8-4895-A2CB-F69B72AF65E4}" dt="2024-02-11T16:54:43.092" v="195" actId="207"/>
-        <pc:sldMkLst>
-          <pc:docMk/>
-          <pc:sldMk cId="3759454836" sldId="416"/>
-        </pc:sldMkLst>
-        <pc:spChg chg="mod">
-          <ac:chgData name="Serafin Patryk" userId="ce8cf8d3-b140-43f7-9541-10745587815e" providerId="ADAL" clId="{6E43ECB8-3BC8-4895-A2CB-F69B72AF65E4}" dt="2024-02-11T16:54:43.092" v="195" actId="207"/>
-          <ac:spMkLst>
-            <pc:docMk/>
-            <pc:sldMk cId="3759454836" sldId="416"/>
-            <ac:spMk id="2" creationId="{A9210CD3-7F1E-0C08-95AE-C5F843EBEBE1}"/>
-          </ac:spMkLst>
-        </pc:spChg>
-      </pc:sldChg>
-    </pc:docChg>
-  </pc:docChgLst>
-  <pc:docChgLst>
-    <pc:chgData name="Patryk Serafin" userId="86fa742248e137ce" providerId="LiveId" clId="{9284F644-453D-4DEE-A2B0-268811375D48}"/>
-    <pc:docChg chg="addSld delSld modSld">
-      <pc:chgData name="Patryk Serafin" userId="86fa742248e137ce" providerId="LiveId" clId="{9284F644-453D-4DEE-A2B0-268811375D48}" dt="2024-01-31T08:39:48.320" v="4" actId="47"/>
-      <pc:docMkLst>
-        <pc:docMk/>
-      </pc:docMkLst>
-      <pc:sldChg chg="del">
-        <pc:chgData name="Patryk Serafin" userId="86fa742248e137ce" providerId="LiveId" clId="{9284F644-453D-4DEE-A2B0-268811375D48}" dt="2024-01-31T08:39:48.320" v="4" actId="47"/>
-        <pc:sldMkLst>
-          <pc:docMk/>
-          <pc:sldMk cId="2421352655" sldId="256"/>
-        </pc:sldMkLst>
-      </pc:sldChg>
-      <pc:sldChg chg="add">
-        <pc:chgData name="Patryk Serafin" userId="86fa742248e137ce" providerId="LiveId" clId="{9284F644-453D-4DEE-A2B0-268811375D48}" dt="2024-01-31T08:39:46.694" v="3"/>
-        <pc:sldMkLst>
-          <pc:docMk/>
-          <pc:sldMk cId="1578271858" sldId="381"/>
-        </pc:sldMkLst>
-      </pc:sldChg>
-      <pc:sldChg chg="addSp delSp add del setBg delDesignElem">
-        <pc:chgData name="Patryk Serafin" userId="86fa742248e137ce" providerId="LiveId" clId="{9284F644-453D-4DEE-A2B0-268811375D48}" dt="2024-01-31T08:39:46.679" v="2"/>
-        <pc:sldMkLst>
-          <pc:docMk/>
-          <pc:sldMk cId="2107130423" sldId="381"/>
-        </pc:sldMkLst>
-        <pc:spChg chg="add del">
-          <ac:chgData name="Patryk Serafin" userId="86fa742248e137ce" providerId="LiveId" clId="{9284F644-453D-4DEE-A2B0-268811375D48}" dt="2024-01-31T08:39:46.679" v="2"/>
-          <ac:spMkLst>
-            <pc:docMk/>
-            <pc:sldMk cId="2107130423" sldId="381"/>
-            <ac:spMk id="36" creationId="{7A875D55-4A80-43E9-38F6-27E3664939B0}"/>
-          </ac:spMkLst>
-        </pc:spChg>
-        <pc:spChg chg="add del">
-          <ac:chgData name="Patryk Serafin" userId="86fa742248e137ce" providerId="LiveId" clId="{9284F644-453D-4DEE-A2B0-268811375D48}" dt="2024-01-31T08:39:46.679" v="2"/>
-          <ac:spMkLst>
-            <pc:docMk/>
-            <pc:sldMk cId="2107130423" sldId="381"/>
-            <ac:spMk id="38" creationId="{3D572980-FB84-8C29-1FAC-FAC5ECE29A39}"/>
-          </ac:spMkLst>
-        </pc:spChg>
-      </pc:sldChg>
-    </pc:docChg>
-  </pc:docChgLst>
-  <pc:docChgLst>
-    <pc:chgData name="Serafin Patryk" userId="ce8cf8d3-b140-43f7-9541-10745587815e" providerId="ADAL" clId="{02442C6C-0560-4BB5-A23F-D4CFE33765F5}"/>
-    <pc:docChg chg="undo custSel addSld delSld modSld">
-      <pc:chgData name="Serafin Patryk" userId="ce8cf8d3-b140-43f7-9541-10745587815e" providerId="ADAL" clId="{02442C6C-0560-4BB5-A23F-D4CFE33765F5}" dt="2024-02-13T08:59:30.741" v="133"/>
-      <pc:docMkLst>
-        <pc:docMk/>
-      </pc:docMkLst>
-      <pc:sldChg chg="del">
-        <pc:chgData name="Serafin Patryk" userId="ce8cf8d3-b140-43f7-9541-10745587815e" providerId="ADAL" clId="{02442C6C-0560-4BB5-A23F-D4CFE33765F5}" dt="2024-02-13T08:56:29.691" v="0" actId="47"/>
-        <pc:sldMkLst>
-          <pc:docMk/>
-          <pc:sldMk cId="1299242876" sldId="257"/>
-        </pc:sldMkLst>
-      </pc:sldChg>
-      <pc:sldChg chg="del">
-        <pc:chgData name="Serafin Patryk" userId="ce8cf8d3-b140-43f7-9541-10745587815e" providerId="ADAL" clId="{02442C6C-0560-4BB5-A23F-D4CFE33765F5}" dt="2024-02-13T08:56:29.691" v="0" actId="47"/>
-        <pc:sldMkLst>
-          <pc:docMk/>
-          <pc:sldMk cId="3635486650" sldId="267"/>
-        </pc:sldMkLst>
-      </pc:sldChg>
-      <pc:sldChg chg="del">
-        <pc:chgData name="Serafin Patryk" userId="ce8cf8d3-b140-43f7-9541-10745587815e" providerId="ADAL" clId="{02442C6C-0560-4BB5-A23F-D4CFE33765F5}" dt="2024-02-13T08:56:29.691" v="0" actId="47"/>
-        <pc:sldMkLst>
-          <pc:docMk/>
-          <pc:sldMk cId="3640115069" sldId="290"/>
-        </pc:sldMkLst>
-      </pc:sldChg>
-      <pc:sldChg chg="del">
-        <pc:chgData name="Serafin Patryk" userId="ce8cf8d3-b140-43f7-9541-10745587815e" providerId="ADAL" clId="{02442C6C-0560-4BB5-A23F-D4CFE33765F5}" dt="2024-02-13T08:56:29.691" v="0" actId="47"/>
-        <pc:sldMkLst>
-          <pc:docMk/>
-          <pc:sldMk cId="3115832531" sldId="291"/>
-        </pc:sldMkLst>
-      </pc:sldChg>
-      <pc:sldChg chg="del">
-        <pc:chgData name="Serafin Patryk" userId="ce8cf8d3-b140-43f7-9541-10745587815e" providerId="ADAL" clId="{02442C6C-0560-4BB5-A23F-D4CFE33765F5}" dt="2024-02-13T08:56:29.691" v="0" actId="47"/>
-        <pc:sldMkLst>
-          <pc:docMk/>
-          <pc:sldMk cId="1777602640" sldId="292"/>
-        </pc:sldMkLst>
-      </pc:sldChg>
-      <pc:sldChg chg="del">
-        <pc:chgData name="Serafin Patryk" userId="ce8cf8d3-b140-43f7-9541-10745587815e" providerId="ADAL" clId="{02442C6C-0560-4BB5-A23F-D4CFE33765F5}" dt="2024-02-13T08:56:29.691" v="0" actId="47"/>
-        <pc:sldMkLst>
-          <pc:docMk/>
-          <pc:sldMk cId="64165896" sldId="293"/>
-        </pc:sldMkLst>
-      </pc:sldChg>
-      <pc:sldChg chg="del">
-        <pc:chgData name="Serafin Patryk" userId="ce8cf8d3-b140-43f7-9541-10745587815e" providerId="ADAL" clId="{02442C6C-0560-4BB5-A23F-D4CFE33765F5}" dt="2024-02-13T08:56:29.691" v="0" actId="47"/>
-        <pc:sldMkLst>
-          <pc:docMk/>
-          <pc:sldMk cId="1539200991" sldId="294"/>
-        </pc:sldMkLst>
-      </pc:sldChg>
-      <pc:sldChg chg="del">
-        <pc:chgData name="Serafin Patryk" userId="ce8cf8d3-b140-43f7-9541-10745587815e" providerId="ADAL" clId="{02442C6C-0560-4BB5-A23F-D4CFE33765F5}" dt="2024-02-13T08:56:29.691" v="0" actId="47"/>
-        <pc:sldMkLst>
-          <pc:docMk/>
-          <pc:sldMk cId="2488230557" sldId="295"/>
-        </pc:sldMkLst>
-      </pc:sldChg>
-      <pc:sldChg chg="del">
-        <pc:chgData name="Serafin Patryk" userId="ce8cf8d3-b140-43f7-9541-10745587815e" providerId="ADAL" clId="{02442C6C-0560-4BB5-A23F-D4CFE33765F5}" dt="2024-02-13T08:56:29.691" v="0" actId="47"/>
-        <pc:sldMkLst>
-          <pc:docMk/>
-          <pc:sldMk cId="78985000" sldId="300"/>
-        </pc:sldMkLst>
-      </pc:sldChg>
-      <pc:sldChg chg="del">
-        <pc:chgData name="Serafin Patryk" userId="ce8cf8d3-b140-43f7-9541-10745587815e" providerId="ADAL" clId="{02442C6C-0560-4BB5-A23F-D4CFE33765F5}" dt="2024-02-13T08:56:29.691" v="0" actId="47"/>
-        <pc:sldMkLst>
-          <pc:docMk/>
-          <pc:sldMk cId="758177806" sldId="301"/>
-        </pc:sldMkLst>
-      </pc:sldChg>
-      <pc:sldChg chg="del">
-        <pc:chgData name="Serafin Patryk" userId="ce8cf8d3-b140-43f7-9541-10745587815e" providerId="ADAL" clId="{02442C6C-0560-4BB5-A23F-D4CFE33765F5}" dt="2024-02-13T08:56:29.691" v="0" actId="47"/>
-        <pc:sldMkLst>
-          <pc:docMk/>
-          <pc:sldMk cId="2199598623" sldId="302"/>
-        </pc:sldMkLst>
-      </pc:sldChg>
-      <pc:sldChg chg="del">
-        <pc:chgData name="Serafin Patryk" userId="ce8cf8d3-b140-43f7-9541-10745587815e" providerId="ADAL" clId="{02442C6C-0560-4BB5-A23F-D4CFE33765F5}" dt="2024-02-13T08:56:29.691" v="0" actId="47"/>
-        <pc:sldMkLst>
-          <pc:docMk/>
-          <pc:sldMk cId="1419307233" sldId="336"/>
-        </pc:sldMkLst>
-      </pc:sldChg>
-      <pc:sldChg chg="del">
-        <pc:chgData name="Serafin Patryk" userId="ce8cf8d3-b140-43f7-9541-10745587815e" providerId="ADAL" clId="{02442C6C-0560-4BB5-A23F-D4CFE33765F5}" dt="2024-02-13T08:56:29.691" v="0" actId="47"/>
-        <pc:sldMkLst>
-          <pc:docMk/>
-          <pc:sldMk cId="3561373349" sldId="337"/>
-        </pc:sldMkLst>
-      </pc:sldChg>
-      <pc:sldChg chg="del">
-        <pc:chgData name="Serafin Patryk" userId="ce8cf8d3-b140-43f7-9541-10745587815e" providerId="ADAL" clId="{02442C6C-0560-4BB5-A23F-D4CFE33765F5}" dt="2024-02-13T08:56:29.691" v="0" actId="47"/>
-        <pc:sldMkLst>
-          <pc:docMk/>
-          <pc:sldMk cId="3461106496" sldId="338"/>
-        </pc:sldMkLst>
-      </pc:sldChg>
-      <pc:sldChg chg="del">
-        <pc:chgData name="Serafin Patryk" userId="ce8cf8d3-b140-43f7-9541-10745587815e" providerId="ADAL" clId="{02442C6C-0560-4BB5-A23F-D4CFE33765F5}" dt="2024-02-13T08:56:29.691" v="0" actId="47"/>
-        <pc:sldMkLst>
-          <pc:docMk/>
-          <pc:sldMk cId="2549208066" sldId="339"/>
-        </pc:sldMkLst>
-      </pc:sldChg>
-      <pc:sldChg chg="del">
-        <pc:chgData name="Serafin Patryk" userId="ce8cf8d3-b140-43f7-9541-10745587815e" providerId="ADAL" clId="{02442C6C-0560-4BB5-A23F-D4CFE33765F5}" dt="2024-02-13T08:56:29.691" v="0" actId="47"/>
-        <pc:sldMkLst>
-          <pc:docMk/>
-          <pc:sldMk cId="2804697960" sldId="342"/>
-        </pc:sldMkLst>
-      </pc:sldChg>
-      <pc:sldChg chg="del">
-        <pc:chgData name="Serafin Patryk" userId="ce8cf8d3-b140-43f7-9541-10745587815e" providerId="ADAL" clId="{02442C6C-0560-4BB5-A23F-D4CFE33765F5}" dt="2024-02-13T08:56:29.691" v="0" actId="47"/>
-        <pc:sldMkLst>
-          <pc:docMk/>
-          <pc:sldMk cId="1105662468" sldId="343"/>
-        </pc:sldMkLst>
-      </pc:sldChg>
-      <pc:sldChg chg="del">
-        <pc:chgData name="Serafin Patryk" userId="ce8cf8d3-b140-43f7-9541-10745587815e" providerId="ADAL" clId="{02442C6C-0560-4BB5-A23F-D4CFE33765F5}" dt="2024-02-13T08:56:29.691" v="0" actId="47"/>
-        <pc:sldMkLst>
-          <pc:docMk/>
-          <pc:sldMk cId="1032655442" sldId="345"/>
-        </pc:sldMkLst>
-      </pc:sldChg>
-      <pc:sldChg chg="del">
-        <pc:chgData name="Serafin Patryk" userId="ce8cf8d3-b140-43f7-9541-10745587815e" providerId="ADAL" clId="{02442C6C-0560-4BB5-A23F-D4CFE33765F5}" dt="2024-02-13T08:56:29.691" v="0" actId="47"/>
-        <pc:sldMkLst>
-          <pc:docMk/>
-          <pc:sldMk cId="4210460240" sldId="347"/>
-        </pc:sldMkLst>
-      </pc:sldChg>
-      <pc:sldChg chg="del">
-        <pc:chgData name="Serafin Patryk" userId="ce8cf8d3-b140-43f7-9541-10745587815e" providerId="ADAL" clId="{02442C6C-0560-4BB5-A23F-D4CFE33765F5}" dt="2024-02-13T08:56:29.691" v="0" actId="47"/>
-        <pc:sldMkLst>
-          <pc:docMk/>
-          <pc:sldMk cId="1375018303" sldId="348"/>
-        </pc:sldMkLst>
-      </pc:sldChg>
-      <pc:sldChg chg="del">
-        <pc:chgData name="Serafin Patryk" userId="ce8cf8d3-b140-43f7-9541-10745587815e" providerId="ADAL" clId="{02442C6C-0560-4BB5-A23F-D4CFE33765F5}" dt="2024-02-13T08:56:29.691" v="0" actId="47"/>
-        <pc:sldMkLst>
-          <pc:docMk/>
-          <pc:sldMk cId="306327016" sldId="350"/>
-        </pc:sldMkLst>
-      </pc:sldChg>
-      <pc:sldChg chg="del">
-        <pc:chgData name="Serafin Patryk" userId="ce8cf8d3-b140-43f7-9541-10745587815e" providerId="ADAL" clId="{02442C6C-0560-4BB5-A23F-D4CFE33765F5}" dt="2024-02-13T08:56:29.691" v="0" actId="47"/>
-        <pc:sldMkLst>
-          <pc:docMk/>
-          <pc:sldMk cId="772389790" sldId="352"/>
-        </pc:sldMkLst>
-      </pc:sldChg>
-      <pc:sldChg chg="del">
-        <pc:chgData name="Serafin Patryk" userId="ce8cf8d3-b140-43f7-9541-10745587815e" providerId="ADAL" clId="{02442C6C-0560-4BB5-A23F-D4CFE33765F5}" dt="2024-02-13T08:56:29.691" v="0" actId="47"/>
-        <pc:sldMkLst>
-          <pc:docMk/>
-          <pc:sldMk cId="4199631364" sldId="353"/>
-        </pc:sldMkLst>
-      </pc:sldChg>
-      <pc:sldChg chg="del">
-        <pc:chgData name="Serafin Patryk" userId="ce8cf8d3-b140-43f7-9541-10745587815e" providerId="ADAL" clId="{02442C6C-0560-4BB5-A23F-D4CFE33765F5}" dt="2024-02-13T08:56:29.691" v="0" actId="47"/>
-        <pc:sldMkLst>
-          <pc:docMk/>
-          <pc:sldMk cId="574685674" sldId="355"/>
-        </pc:sldMkLst>
-      </pc:sldChg>
-      <pc:sldChg chg="del">
-        <pc:chgData name="Serafin Patryk" userId="ce8cf8d3-b140-43f7-9541-10745587815e" providerId="ADAL" clId="{02442C6C-0560-4BB5-A23F-D4CFE33765F5}" dt="2024-02-13T08:56:29.691" v="0" actId="47"/>
-        <pc:sldMkLst>
-          <pc:docMk/>
-          <pc:sldMk cId="2938863905" sldId="356"/>
-        </pc:sldMkLst>
-      </pc:sldChg>
-      <pc:sldChg chg="del">
-        <pc:chgData name="Serafin Patryk" userId="ce8cf8d3-b140-43f7-9541-10745587815e" providerId="ADAL" clId="{02442C6C-0560-4BB5-A23F-D4CFE33765F5}" dt="2024-02-13T08:56:29.691" v="0" actId="47"/>
-        <pc:sldMkLst>
-          <pc:docMk/>
-          <pc:sldMk cId="4113879274" sldId="358"/>
-        </pc:sldMkLst>
-      </pc:sldChg>
-      <pc:sldChg chg="del">
-        <pc:chgData name="Serafin Patryk" userId="ce8cf8d3-b140-43f7-9541-10745587815e" providerId="ADAL" clId="{02442C6C-0560-4BB5-A23F-D4CFE33765F5}" dt="2024-02-13T08:56:29.691" v="0" actId="47"/>
-        <pc:sldMkLst>
-          <pc:docMk/>
-          <pc:sldMk cId="571492126" sldId="359"/>
-        </pc:sldMkLst>
-      </pc:sldChg>
-      <pc:sldChg chg="del">
-        <pc:chgData name="Serafin Patryk" userId="ce8cf8d3-b140-43f7-9541-10745587815e" providerId="ADAL" clId="{02442C6C-0560-4BB5-A23F-D4CFE33765F5}" dt="2024-02-13T08:56:29.691" v="0" actId="47"/>
-        <pc:sldMkLst>
-          <pc:docMk/>
-          <pc:sldMk cId="3869047721" sldId="361"/>
-        </pc:sldMkLst>
-      </pc:sldChg>
-      <pc:sldChg chg="del">
-        <pc:chgData name="Serafin Patryk" userId="ce8cf8d3-b140-43f7-9541-10745587815e" providerId="ADAL" clId="{02442C6C-0560-4BB5-A23F-D4CFE33765F5}" dt="2024-02-13T08:56:29.691" v="0" actId="47"/>
-        <pc:sldMkLst>
-          <pc:docMk/>
-          <pc:sldMk cId="1574004732" sldId="365"/>
-        </pc:sldMkLst>
-      </pc:sldChg>
-      <pc:sldChg chg="del">
-        <pc:chgData name="Serafin Patryk" userId="ce8cf8d3-b140-43f7-9541-10745587815e" providerId="ADAL" clId="{02442C6C-0560-4BB5-A23F-D4CFE33765F5}" dt="2024-02-13T08:56:29.691" v="0" actId="47"/>
-        <pc:sldMkLst>
-          <pc:docMk/>
-          <pc:sldMk cId="2524299725" sldId="366"/>
-        </pc:sldMkLst>
-      </pc:sldChg>
-      <pc:sldChg chg="del">
-        <pc:chgData name="Serafin Patryk" userId="ce8cf8d3-b140-43f7-9541-10745587815e" providerId="ADAL" clId="{02442C6C-0560-4BB5-A23F-D4CFE33765F5}" dt="2024-02-13T08:56:29.691" v="0" actId="47"/>
-        <pc:sldMkLst>
-          <pc:docMk/>
-          <pc:sldMk cId="863844165" sldId="369"/>
-        </pc:sldMkLst>
-      </pc:sldChg>
-      <pc:sldChg chg="del">
-        <pc:chgData name="Serafin Patryk" userId="ce8cf8d3-b140-43f7-9541-10745587815e" providerId="ADAL" clId="{02442C6C-0560-4BB5-A23F-D4CFE33765F5}" dt="2024-02-13T08:56:29.691" v="0" actId="47"/>
-        <pc:sldMkLst>
-          <pc:docMk/>
-          <pc:sldMk cId="1140178177" sldId="372"/>
-        </pc:sldMkLst>
-      </pc:sldChg>
-      <pc:sldChg chg="del">
-        <pc:chgData name="Serafin Patryk" userId="ce8cf8d3-b140-43f7-9541-10745587815e" providerId="ADAL" clId="{02442C6C-0560-4BB5-A23F-D4CFE33765F5}" dt="2024-02-13T08:56:29.691" v="0" actId="47"/>
-        <pc:sldMkLst>
-          <pc:docMk/>
-          <pc:sldMk cId="1968622345" sldId="373"/>
-        </pc:sldMkLst>
-      </pc:sldChg>
-      <pc:sldChg chg="del">
-        <pc:chgData name="Serafin Patryk" userId="ce8cf8d3-b140-43f7-9541-10745587815e" providerId="ADAL" clId="{02442C6C-0560-4BB5-A23F-D4CFE33765F5}" dt="2024-02-13T08:56:29.691" v="0" actId="47"/>
-        <pc:sldMkLst>
-          <pc:docMk/>
-          <pc:sldMk cId="1180631931" sldId="377"/>
-        </pc:sldMkLst>
-      </pc:sldChg>
-      <pc:sldChg chg="del">
-        <pc:chgData name="Serafin Patryk" userId="ce8cf8d3-b140-43f7-9541-10745587815e" providerId="ADAL" clId="{02442C6C-0560-4BB5-A23F-D4CFE33765F5}" dt="2024-02-13T08:56:29.691" v="0" actId="47"/>
-        <pc:sldMkLst>
-          <pc:docMk/>
-          <pc:sldMk cId="289399001" sldId="378"/>
-        </pc:sldMkLst>
-      </pc:sldChg>
-      <pc:sldChg chg="del">
-        <pc:chgData name="Serafin Patryk" userId="ce8cf8d3-b140-43f7-9541-10745587815e" providerId="ADAL" clId="{02442C6C-0560-4BB5-A23F-D4CFE33765F5}" dt="2024-02-13T08:56:29.691" v="0" actId="47"/>
-        <pc:sldMkLst>
-          <pc:docMk/>
-          <pc:sldMk cId="3037249080" sldId="379"/>
-        </pc:sldMkLst>
-      </pc:sldChg>
-      <pc:sldChg chg="del">
-        <pc:chgData name="Serafin Patryk" userId="ce8cf8d3-b140-43f7-9541-10745587815e" providerId="ADAL" clId="{02442C6C-0560-4BB5-A23F-D4CFE33765F5}" dt="2024-02-13T08:56:29.691" v="0" actId="47"/>
-        <pc:sldMkLst>
-          <pc:docMk/>
-          <pc:sldMk cId="3265729095" sldId="380"/>
-        </pc:sldMkLst>
-      </pc:sldChg>
-      <pc:sldChg chg="del">
-        <pc:chgData name="Serafin Patryk" userId="ce8cf8d3-b140-43f7-9541-10745587815e" providerId="ADAL" clId="{02442C6C-0560-4BB5-A23F-D4CFE33765F5}" dt="2024-02-13T08:56:29.691" v="0" actId="47"/>
-        <pc:sldMkLst>
-          <pc:docMk/>
-          <pc:sldMk cId="1679453359" sldId="382"/>
-        </pc:sldMkLst>
-      </pc:sldChg>
-      <pc:sldChg chg="del">
-        <pc:chgData name="Serafin Patryk" userId="ce8cf8d3-b140-43f7-9541-10745587815e" providerId="ADAL" clId="{02442C6C-0560-4BB5-A23F-D4CFE33765F5}" dt="2024-02-13T08:56:29.691" v="0" actId="47"/>
-        <pc:sldMkLst>
-          <pc:docMk/>
-          <pc:sldMk cId="1325182425" sldId="383"/>
-        </pc:sldMkLst>
-      </pc:sldChg>
-      <pc:sldChg chg="del">
-        <pc:chgData name="Serafin Patryk" userId="ce8cf8d3-b140-43f7-9541-10745587815e" providerId="ADAL" clId="{02442C6C-0560-4BB5-A23F-D4CFE33765F5}" dt="2024-02-13T08:56:29.691" v="0" actId="47"/>
-        <pc:sldMkLst>
-          <pc:docMk/>
-          <pc:sldMk cId="1445120477" sldId="384"/>
-        </pc:sldMkLst>
-      </pc:sldChg>
-      <pc:sldChg chg="del">
-        <pc:chgData name="Serafin Patryk" userId="ce8cf8d3-b140-43f7-9541-10745587815e" providerId="ADAL" clId="{02442C6C-0560-4BB5-A23F-D4CFE33765F5}" dt="2024-02-13T08:56:29.691" v="0" actId="47"/>
-        <pc:sldMkLst>
-          <pc:docMk/>
-          <pc:sldMk cId="4126925163" sldId="386"/>
-        </pc:sldMkLst>
-      </pc:sldChg>
-      <pc:sldChg chg="del">
-        <pc:chgData name="Serafin Patryk" userId="ce8cf8d3-b140-43f7-9541-10745587815e" providerId="ADAL" clId="{02442C6C-0560-4BB5-A23F-D4CFE33765F5}" dt="2024-02-13T08:56:29.691" v="0" actId="47"/>
-        <pc:sldMkLst>
-          <pc:docMk/>
-          <pc:sldMk cId="2913523551" sldId="387"/>
-        </pc:sldMkLst>
-      </pc:sldChg>
-      <pc:sldChg chg="del">
-        <pc:chgData name="Serafin Patryk" userId="ce8cf8d3-b140-43f7-9541-10745587815e" providerId="ADAL" clId="{02442C6C-0560-4BB5-A23F-D4CFE33765F5}" dt="2024-02-13T08:56:29.691" v="0" actId="47"/>
-        <pc:sldMkLst>
-          <pc:docMk/>
-          <pc:sldMk cId="1024732099" sldId="388"/>
-        </pc:sldMkLst>
-      </pc:sldChg>
-      <pc:sldChg chg="del">
-        <pc:chgData name="Serafin Patryk" userId="ce8cf8d3-b140-43f7-9541-10745587815e" providerId="ADAL" clId="{02442C6C-0560-4BB5-A23F-D4CFE33765F5}" dt="2024-02-13T08:56:29.691" v="0" actId="47"/>
-        <pc:sldMkLst>
-          <pc:docMk/>
-          <pc:sldMk cId="3474997184" sldId="389"/>
-        </pc:sldMkLst>
-      </pc:sldChg>
-      <pc:sldChg chg="del">
-        <pc:chgData name="Serafin Patryk" userId="ce8cf8d3-b140-43f7-9541-10745587815e" providerId="ADAL" clId="{02442C6C-0560-4BB5-A23F-D4CFE33765F5}" dt="2024-02-13T08:56:29.691" v="0" actId="47"/>
-        <pc:sldMkLst>
-          <pc:docMk/>
-          <pc:sldMk cId="1929824641" sldId="390"/>
-        </pc:sldMkLst>
-      </pc:sldChg>
-      <pc:sldChg chg="del">
-        <pc:chgData name="Serafin Patryk" userId="ce8cf8d3-b140-43f7-9541-10745587815e" providerId="ADAL" clId="{02442C6C-0560-4BB5-A23F-D4CFE33765F5}" dt="2024-02-13T08:56:29.691" v="0" actId="47"/>
-        <pc:sldMkLst>
-          <pc:docMk/>
-          <pc:sldMk cId="1291732056" sldId="391"/>
-        </pc:sldMkLst>
-      </pc:sldChg>
-      <pc:sldChg chg="del">
-        <pc:chgData name="Serafin Patryk" userId="ce8cf8d3-b140-43f7-9541-10745587815e" providerId="ADAL" clId="{02442C6C-0560-4BB5-A23F-D4CFE33765F5}" dt="2024-02-13T08:56:29.691" v="0" actId="47"/>
-        <pc:sldMkLst>
-          <pc:docMk/>
-          <pc:sldMk cId="1722203733" sldId="392"/>
-        </pc:sldMkLst>
-      </pc:sldChg>
-      <pc:sldChg chg="del">
-        <pc:chgData name="Serafin Patryk" userId="ce8cf8d3-b140-43f7-9541-10745587815e" providerId="ADAL" clId="{02442C6C-0560-4BB5-A23F-D4CFE33765F5}" dt="2024-02-13T08:56:29.691" v="0" actId="47"/>
-        <pc:sldMkLst>
-          <pc:docMk/>
-          <pc:sldMk cId="1632462857" sldId="393"/>
-        </pc:sldMkLst>
-      </pc:sldChg>
-      <pc:sldChg chg="del">
-        <pc:chgData name="Serafin Patryk" userId="ce8cf8d3-b140-43f7-9541-10745587815e" providerId="ADAL" clId="{02442C6C-0560-4BB5-A23F-D4CFE33765F5}" dt="2024-02-13T08:56:29.691" v="0" actId="47"/>
-        <pc:sldMkLst>
-          <pc:docMk/>
-          <pc:sldMk cId="3795601868" sldId="394"/>
-        </pc:sldMkLst>
-      </pc:sldChg>
-      <pc:sldChg chg="del">
-        <pc:chgData name="Serafin Patryk" userId="ce8cf8d3-b140-43f7-9541-10745587815e" providerId="ADAL" clId="{02442C6C-0560-4BB5-A23F-D4CFE33765F5}" dt="2024-02-13T08:56:29.691" v="0" actId="47"/>
-        <pc:sldMkLst>
-          <pc:docMk/>
-          <pc:sldMk cId="2253785015" sldId="395"/>
-        </pc:sldMkLst>
-      </pc:sldChg>
-      <pc:sldChg chg="del">
-        <pc:chgData name="Serafin Patryk" userId="ce8cf8d3-b140-43f7-9541-10745587815e" providerId="ADAL" clId="{02442C6C-0560-4BB5-A23F-D4CFE33765F5}" dt="2024-02-13T08:56:29.691" v="0" actId="47"/>
-        <pc:sldMkLst>
-          <pc:docMk/>
-          <pc:sldMk cId="3168702749" sldId="396"/>
-        </pc:sldMkLst>
-      </pc:sldChg>
-      <pc:sldChg chg="del">
-        <pc:chgData name="Serafin Patryk" userId="ce8cf8d3-b140-43f7-9541-10745587815e" providerId="ADAL" clId="{02442C6C-0560-4BB5-A23F-D4CFE33765F5}" dt="2024-02-13T08:56:29.691" v="0" actId="47"/>
-        <pc:sldMkLst>
-          <pc:docMk/>
-          <pc:sldMk cId="611815902" sldId="397"/>
-        </pc:sldMkLst>
-      </pc:sldChg>
-      <pc:sldChg chg="del">
-        <pc:chgData name="Serafin Patryk" userId="ce8cf8d3-b140-43f7-9541-10745587815e" providerId="ADAL" clId="{02442C6C-0560-4BB5-A23F-D4CFE33765F5}" dt="2024-02-13T08:56:29.691" v="0" actId="47"/>
-        <pc:sldMkLst>
-          <pc:docMk/>
-          <pc:sldMk cId="1044922870" sldId="398"/>
-        </pc:sldMkLst>
-      </pc:sldChg>
-      <pc:sldChg chg="del">
-        <pc:chgData name="Serafin Patryk" userId="ce8cf8d3-b140-43f7-9541-10745587815e" providerId="ADAL" clId="{02442C6C-0560-4BB5-A23F-D4CFE33765F5}" dt="2024-02-13T08:56:29.691" v="0" actId="47"/>
-        <pc:sldMkLst>
-          <pc:docMk/>
-          <pc:sldMk cId="591530444" sldId="399"/>
-        </pc:sldMkLst>
-      </pc:sldChg>
-      <pc:sldChg chg="del">
-        <pc:chgData name="Serafin Patryk" userId="ce8cf8d3-b140-43f7-9541-10745587815e" providerId="ADAL" clId="{02442C6C-0560-4BB5-A23F-D4CFE33765F5}" dt="2024-02-13T08:56:29.691" v="0" actId="47"/>
-        <pc:sldMkLst>
-          <pc:docMk/>
-          <pc:sldMk cId="2779259546" sldId="400"/>
-        </pc:sldMkLst>
-      </pc:sldChg>
-      <pc:sldChg chg="del">
-        <pc:chgData name="Serafin Patryk" userId="ce8cf8d3-b140-43f7-9541-10745587815e" providerId="ADAL" clId="{02442C6C-0560-4BB5-A23F-D4CFE33765F5}" dt="2024-02-13T08:56:29.691" v="0" actId="47"/>
-        <pc:sldMkLst>
-          <pc:docMk/>
-          <pc:sldMk cId="1200670670" sldId="401"/>
-        </pc:sldMkLst>
-      </pc:sldChg>
-      <pc:sldChg chg="del">
-        <pc:chgData name="Serafin Patryk" userId="ce8cf8d3-b140-43f7-9541-10745587815e" providerId="ADAL" clId="{02442C6C-0560-4BB5-A23F-D4CFE33765F5}" dt="2024-02-13T08:56:29.691" v="0" actId="47"/>
-        <pc:sldMkLst>
-          <pc:docMk/>
-          <pc:sldMk cId="2846685813" sldId="402"/>
-        </pc:sldMkLst>
-      </pc:sldChg>
-      <pc:sldChg chg="del">
-        <pc:chgData name="Serafin Patryk" userId="ce8cf8d3-b140-43f7-9541-10745587815e" providerId="ADAL" clId="{02442C6C-0560-4BB5-A23F-D4CFE33765F5}" dt="2024-02-13T08:56:29.691" v="0" actId="47"/>
-        <pc:sldMkLst>
-          <pc:docMk/>
-          <pc:sldMk cId="3220451961" sldId="403"/>
-        </pc:sldMkLst>
-      </pc:sldChg>
-      <pc:sldChg chg="del">
-        <pc:chgData name="Serafin Patryk" userId="ce8cf8d3-b140-43f7-9541-10745587815e" providerId="ADAL" clId="{02442C6C-0560-4BB5-A23F-D4CFE33765F5}" dt="2024-02-13T08:56:29.691" v="0" actId="47"/>
-        <pc:sldMkLst>
-          <pc:docMk/>
-          <pc:sldMk cId="1292628003" sldId="404"/>
-        </pc:sldMkLst>
-      </pc:sldChg>
-      <pc:sldChg chg="del">
-        <pc:chgData name="Serafin Patryk" userId="ce8cf8d3-b140-43f7-9541-10745587815e" providerId="ADAL" clId="{02442C6C-0560-4BB5-A23F-D4CFE33765F5}" dt="2024-02-13T08:56:29.691" v="0" actId="47"/>
-        <pc:sldMkLst>
-          <pc:docMk/>
-          <pc:sldMk cId="2901713828" sldId="405"/>
-        </pc:sldMkLst>
-      </pc:sldChg>
-      <pc:sldChg chg="del">
-        <pc:chgData name="Serafin Patryk" userId="ce8cf8d3-b140-43f7-9541-10745587815e" providerId="ADAL" clId="{02442C6C-0560-4BB5-A23F-D4CFE33765F5}" dt="2024-02-13T08:56:29.691" v="0" actId="47"/>
-        <pc:sldMkLst>
-          <pc:docMk/>
-          <pc:sldMk cId="1175490119" sldId="406"/>
-        </pc:sldMkLst>
-      </pc:sldChg>
-      <pc:sldChg chg="del">
-        <pc:chgData name="Serafin Patryk" userId="ce8cf8d3-b140-43f7-9541-10745587815e" providerId="ADAL" clId="{02442C6C-0560-4BB5-A23F-D4CFE33765F5}" dt="2024-02-13T08:56:29.691" v="0" actId="47"/>
-        <pc:sldMkLst>
-          <pc:docMk/>
-          <pc:sldMk cId="2995400592" sldId="407"/>
-        </pc:sldMkLst>
-      </pc:sldChg>
-      <pc:sldChg chg="del">
-        <pc:chgData name="Serafin Patryk" userId="ce8cf8d3-b140-43f7-9541-10745587815e" providerId="ADAL" clId="{02442C6C-0560-4BB5-A23F-D4CFE33765F5}" dt="2024-02-13T08:56:29.691" v="0" actId="47"/>
-        <pc:sldMkLst>
-          <pc:docMk/>
-          <pc:sldMk cId="1249638887" sldId="408"/>
-        </pc:sldMkLst>
-      </pc:sldChg>
-      <pc:sldChg chg="del">
-        <pc:chgData name="Serafin Patryk" userId="ce8cf8d3-b140-43f7-9541-10745587815e" providerId="ADAL" clId="{02442C6C-0560-4BB5-A23F-D4CFE33765F5}" dt="2024-02-13T08:56:29.691" v="0" actId="47"/>
-        <pc:sldMkLst>
-          <pc:docMk/>
-          <pc:sldMk cId="915548103" sldId="409"/>
-        </pc:sldMkLst>
-      </pc:sldChg>
-      <pc:sldChg chg="del">
-        <pc:chgData name="Serafin Patryk" userId="ce8cf8d3-b140-43f7-9541-10745587815e" providerId="ADAL" clId="{02442C6C-0560-4BB5-A23F-D4CFE33765F5}" dt="2024-02-13T08:56:29.691" v="0" actId="47"/>
-        <pc:sldMkLst>
-          <pc:docMk/>
-          <pc:sldMk cId="3963804126" sldId="410"/>
-        </pc:sldMkLst>
-      </pc:sldChg>
-      <pc:sldChg chg="del">
-        <pc:chgData name="Serafin Patryk" userId="ce8cf8d3-b140-43f7-9541-10745587815e" providerId="ADAL" clId="{02442C6C-0560-4BB5-A23F-D4CFE33765F5}" dt="2024-02-13T08:56:29.691" v="0" actId="47"/>
-        <pc:sldMkLst>
-          <pc:docMk/>
-          <pc:sldMk cId="3093308458" sldId="411"/>
-        </pc:sldMkLst>
-      </pc:sldChg>
-      <pc:sldChg chg="del">
-        <pc:chgData name="Serafin Patryk" userId="ce8cf8d3-b140-43f7-9541-10745587815e" providerId="ADAL" clId="{02442C6C-0560-4BB5-A23F-D4CFE33765F5}" dt="2024-02-13T08:56:29.691" v="0" actId="47"/>
-        <pc:sldMkLst>
-          <pc:docMk/>
-          <pc:sldMk cId="3572792617" sldId="412"/>
-        </pc:sldMkLst>
-      </pc:sldChg>
-      <pc:sldChg chg="del">
-        <pc:chgData name="Serafin Patryk" userId="ce8cf8d3-b140-43f7-9541-10745587815e" providerId="ADAL" clId="{02442C6C-0560-4BB5-A23F-D4CFE33765F5}" dt="2024-02-13T08:56:29.691" v="0" actId="47"/>
-        <pc:sldMkLst>
-          <pc:docMk/>
-          <pc:sldMk cId="902559619" sldId="413"/>
-        </pc:sldMkLst>
-      </pc:sldChg>
-      <pc:sldChg chg="del">
-        <pc:chgData name="Serafin Patryk" userId="ce8cf8d3-b140-43f7-9541-10745587815e" providerId="ADAL" clId="{02442C6C-0560-4BB5-A23F-D4CFE33765F5}" dt="2024-02-13T08:56:29.691" v="0" actId="47"/>
-        <pc:sldMkLst>
-          <pc:docMk/>
-          <pc:sldMk cId="3303263368" sldId="414"/>
-        </pc:sldMkLst>
-      </pc:sldChg>
-      <pc:sldChg chg="del">
-        <pc:chgData name="Serafin Patryk" userId="ce8cf8d3-b140-43f7-9541-10745587815e" providerId="ADAL" clId="{02442C6C-0560-4BB5-A23F-D4CFE33765F5}" dt="2024-02-13T08:56:29.691" v="0" actId="47"/>
-        <pc:sldMkLst>
-          <pc:docMk/>
-          <pc:sldMk cId="525475236" sldId="415"/>
-        </pc:sldMkLst>
-      </pc:sldChg>
-      <pc:sldChg chg="del">
-        <pc:chgData name="Serafin Patryk" userId="ce8cf8d3-b140-43f7-9541-10745587815e" providerId="ADAL" clId="{02442C6C-0560-4BB5-A23F-D4CFE33765F5}" dt="2024-02-13T08:56:29.691" v="0" actId="47"/>
-        <pc:sldMkLst>
-          <pc:docMk/>
-          <pc:sldMk cId="3759454836" sldId="416"/>
-        </pc:sldMkLst>
-      </pc:sldChg>
-      <pc:sldChg chg="del">
-        <pc:chgData name="Serafin Patryk" userId="ce8cf8d3-b140-43f7-9541-10745587815e" providerId="ADAL" clId="{02442C6C-0560-4BB5-A23F-D4CFE33765F5}" dt="2024-02-13T08:56:29.691" v="0" actId="47"/>
-        <pc:sldMkLst>
-          <pc:docMk/>
-          <pc:sldMk cId="2814370535" sldId="421"/>
-        </pc:sldMkLst>
-      </pc:sldChg>
-      <pc:sldChg chg="del">
-        <pc:chgData name="Serafin Patryk" userId="ce8cf8d3-b140-43f7-9541-10745587815e" providerId="ADAL" clId="{02442C6C-0560-4BB5-A23F-D4CFE33765F5}" dt="2024-02-13T08:56:29.691" v="0" actId="47"/>
-        <pc:sldMkLst>
-          <pc:docMk/>
-          <pc:sldMk cId="925758333" sldId="422"/>
-        </pc:sldMkLst>
-      </pc:sldChg>
-      <pc:sldChg chg="del">
-        <pc:chgData name="Serafin Patryk" userId="ce8cf8d3-b140-43f7-9541-10745587815e" providerId="ADAL" clId="{02442C6C-0560-4BB5-A23F-D4CFE33765F5}" dt="2024-02-13T08:56:29.691" v="0" actId="47"/>
-        <pc:sldMkLst>
-          <pc:docMk/>
-          <pc:sldMk cId="1426184852" sldId="423"/>
-        </pc:sldMkLst>
-      </pc:sldChg>
-      <pc:sldChg chg="del">
-        <pc:chgData name="Serafin Patryk" userId="ce8cf8d3-b140-43f7-9541-10745587815e" providerId="ADAL" clId="{02442C6C-0560-4BB5-A23F-D4CFE33765F5}" dt="2024-02-13T08:56:29.691" v="0" actId="47"/>
-        <pc:sldMkLst>
-          <pc:docMk/>
-          <pc:sldMk cId="1852254844" sldId="424"/>
-        </pc:sldMkLst>
-      </pc:sldChg>
-      <pc:sldChg chg="del">
-        <pc:chgData name="Serafin Patryk" userId="ce8cf8d3-b140-43f7-9541-10745587815e" providerId="ADAL" clId="{02442C6C-0560-4BB5-A23F-D4CFE33765F5}" dt="2024-02-13T08:56:29.691" v="0" actId="47"/>
-        <pc:sldMkLst>
-          <pc:docMk/>
-          <pc:sldMk cId="162257550" sldId="425"/>
-        </pc:sldMkLst>
-      </pc:sldChg>
-      <pc:sldChg chg="del">
-        <pc:chgData name="Serafin Patryk" userId="ce8cf8d3-b140-43f7-9541-10745587815e" providerId="ADAL" clId="{02442C6C-0560-4BB5-A23F-D4CFE33765F5}" dt="2024-02-13T08:56:29.691" v="0" actId="47"/>
-        <pc:sldMkLst>
-          <pc:docMk/>
-          <pc:sldMk cId="662022885" sldId="426"/>
-        </pc:sldMkLst>
-      </pc:sldChg>
-      <pc:sldChg chg="addSp delSp modSp new mod setBg addAnim delAnim modAnim">
-        <pc:chgData name="Serafin Patryk" userId="ce8cf8d3-b140-43f7-9541-10745587815e" providerId="ADAL" clId="{02442C6C-0560-4BB5-A23F-D4CFE33765F5}" dt="2024-02-13T08:59:30.741" v="133"/>
-        <pc:sldMkLst>
-          <pc:docMk/>
-          <pc:sldMk cId="841064069" sldId="428"/>
-        </pc:sldMkLst>
-        <pc:spChg chg="mod ord">
-          <ac:chgData name="Serafin Patryk" userId="ce8cf8d3-b140-43f7-9541-10745587815e" providerId="ADAL" clId="{02442C6C-0560-4BB5-A23F-D4CFE33765F5}" dt="2024-02-13T08:59:09.265" v="127" actId="26606"/>
-          <ac:spMkLst>
-            <pc:docMk/>
-            <pc:sldMk cId="841064069" sldId="428"/>
-            <ac:spMk id="2" creationId="{4AB49386-9C99-BC76-64F6-B8B221408481}"/>
-          </ac:spMkLst>
-        </pc:spChg>
-        <pc:spChg chg="mod">
-          <ac:chgData name="Serafin Patryk" userId="ce8cf8d3-b140-43f7-9541-10745587815e" providerId="ADAL" clId="{02442C6C-0560-4BB5-A23F-D4CFE33765F5}" dt="2024-02-13T08:59:22.091" v="132" actId="207"/>
-          <ac:spMkLst>
-            <pc:docMk/>
-            <pc:sldMk cId="841064069" sldId="428"/>
-            <ac:spMk id="3" creationId="{DBE75581-F70E-B0F9-BA00-340A0FB52DE5}"/>
-          </ac:spMkLst>
-        </pc:spChg>
-        <pc:spChg chg="add del">
-          <ac:chgData name="Serafin Patryk" userId="ce8cf8d3-b140-43f7-9541-10745587815e" providerId="ADAL" clId="{02442C6C-0560-4BB5-A23F-D4CFE33765F5}" dt="2024-02-13T08:58:41.435" v="121" actId="26606"/>
-          <ac:spMkLst>
-            <pc:docMk/>
-            <pc:sldMk cId="841064069" sldId="428"/>
-            <ac:spMk id="9" creationId="{E01013C5-0169-8F8C-FA57-62D87022AD98}"/>
-          </ac:spMkLst>
-        </pc:spChg>
-        <pc:spChg chg="add del">
-          <ac:chgData name="Serafin Patryk" userId="ce8cf8d3-b140-43f7-9541-10745587815e" providerId="ADAL" clId="{02442C6C-0560-4BB5-A23F-D4CFE33765F5}" dt="2024-02-13T08:58:41.435" v="121" actId="26606"/>
-          <ac:spMkLst>
-            <pc:docMk/>
-            <pc:sldMk cId="841064069" sldId="428"/>
-            <ac:spMk id="11" creationId="{A9CCD9CD-49AE-3D3E-923B-81ECD3FBF75F}"/>
-          </ac:spMkLst>
-        </pc:spChg>
-        <pc:spChg chg="add del">
-          <ac:chgData name="Serafin Patryk" userId="ce8cf8d3-b140-43f7-9541-10745587815e" providerId="ADAL" clId="{02442C6C-0560-4BB5-A23F-D4CFE33765F5}" dt="2024-02-13T08:59:10.639" v="128" actId="26606"/>
-          <ac:spMkLst>
-            <pc:docMk/>
-            <pc:sldMk cId="841064069" sldId="428"/>
-            <ac:spMk id="13" creationId="{92CC1E4F-F1F0-B945-BE50-C72A7103E8AC}"/>
-          </ac:spMkLst>
-        </pc:spChg>
-        <pc:spChg chg="add">
-          <ac:chgData name="Serafin Patryk" userId="ce8cf8d3-b140-43f7-9541-10745587815e" providerId="ADAL" clId="{02442C6C-0560-4BB5-A23F-D4CFE33765F5}" dt="2024-02-13T08:59:10.639" v="128" actId="26606"/>
-          <ac:spMkLst>
-            <pc:docMk/>
-            <pc:sldMk cId="841064069" sldId="428"/>
-            <ac:spMk id="16" creationId="{92CC1E4F-F1F0-B945-BE50-C72A7103E8AC}"/>
-          </ac:spMkLst>
-        </pc:spChg>
-        <pc:spChg chg="add del">
-          <ac:chgData name="Serafin Patryk" userId="ce8cf8d3-b140-43f7-9541-10745587815e" providerId="ADAL" clId="{02442C6C-0560-4BB5-A23F-D4CFE33765F5}" dt="2024-02-13T08:59:09.265" v="127" actId="26606"/>
-          <ac:spMkLst>
-            <pc:docMk/>
-            <pc:sldMk cId="841064069" sldId="428"/>
-            <ac:spMk id="19" creationId="{7A875D55-4A80-43E9-38F6-27E3664939B0}"/>
-          </ac:spMkLst>
-        </pc:spChg>
-        <pc:spChg chg="add del">
-          <ac:chgData name="Serafin Patryk" userId="ce8cf8d3-b140-43f7-9541-10745587815e" providerId="ADAL" clId="{02442C6C-0560-4BB5-A23F-D4CFE33765F5}" dt="2024-02-13T08:59:09.265" v="127" actId="26606"/>
-          <ac:spMkLst>
-            <pc:docMk/>
-            <pc:sldMk cId="841064069" sldId="428"/>
-            <ac:spMk id="21" creationId="{3D572980-FB84-8C29-1FAC-FAC5ECE29A39}"/>
-          </ac:spMkLst>
-        </pc:spChg>
-        <pc:picChg chg="add del">
-          <ac:chgData name="Serafin Patryk" userId="ce8cf8d3-b140-43f7-9541-10745587815e" providerId="ADAL" clId="{02442C6C-0560-4BB5-A23F-D4CFE33765F5}" dt="2024-02-13T08:58:41.435" v="121" actId="26606"/>
-          <ac:picMkLst>
-            <pc:docMk/>
-            <pc:sldMk cId="841064069" sldId="428"/>
-            <ac:picMk id="5" creationId="{BDB1838A-7BAD-C111-EA04-DC30330DF3FA}"/>
-          </ac:picMkLst>
-        </pc:picChg>
-        <pc:picChg chg="add mod">
-          <ac:chgData name="Serafin Patryk" userId="ce8cf8d3-b140-43f7-9541-10745587815e" providerId="ADAL" clId="{02442C6C-0560-4BB5-A23F-D4CFE33765F5}" dt="2024-02-13T08:59:10.639" v="128" actId="26606"/>
-          <ac:picMkLst>
-            <pc:docMk/>
-            <pc:sldMk cId="841064069" sldId="428"/>
-            <ac:picMk id="14" creationId="{9E8B161F-9D79-E167-9D28-7B42E20ACCB5}"/>
-          </ac:picMkLst>
-        </pc:picChg>
-      </pc:sldChg>
     </pc:docChg>
   </pc:docChgLst>
 </pc:chgInfo>
@@ -6962,7 +6998,7 @@
           <a:p>
             <a:fld id="{648B3C1D-5755-4177-931D-38D740BDF3D2}" type="datetimeFigureOut">
               <a:rPr lang="pl-PL" smtClean="0"/>
-              <a:t>13.02.2024</a:t>
+              <a:t>06.03.2024</a:t>
             </a:fld>
             <a:endParaRPr lang="pl-PL"/>
           </a:p>
@@ -7802,7 +7838,7 @@
           <a:p>
             <a:fld id="{999A8DD2-C443-44AD-85B3-4CE72B962C5F}" type="datetimeFigureOut">
               <a:rPr lang="en-US" smtClean="0"/>
-              <a:t>2/13/2024</a:t>
+              <a:t>3/6/2024</a:t>
             </a:fld>
             <a:endParaRPr lang="en-US"/>
           </a:p>
@@ -8010,7 +8046,7 @@
           <a:p>
             <a:fld id="{999A8DD2-C443-44AD-85B3-4CE72B962C5F}" type="datetimeFigureOut">
               <a:rPr lang="en-US" smtClean="0"/>
-              <a:t>2/13/2024</a:t>
+              <a:t>3/6/2024</a:t>
             </a:fld>
             <a:endParaRPr lang="en-US"/>
           </a:p>
@@ -8218,7 +8254,7 @@
           <a:p>
             <a:fld id="{999A8DD2-C443-44AD-85B3-4CE72B962C5F}" type="datetimeFigureOut">
               <a:rPr lang="en-US" smtClean="0"/>
-              <a:t>2/13/2024</a:t>
+              <a:t>3/6/2024</a:t>
             </a:fld>
             <a:endParaRPr lang="en-US"/>
           </a:p>
@@ -8416,7 +8452,7 @@
           <a:p>
             <a:fld id="{999A8DD2-C443-44AD-85B3-4CE72B962C5F}" type="datetimeFigureOut">
               <a:rPr lang="en-US" smtClean="0"/>
-              <a:t>2/13/2024</a:t>
+              <a:t>3/6/2024</a:t>
             </a:fld>
             <a:endParaRPr lang="en-US"/>
           </a:p>
@@ -8694,7 +8730,7 @@
           <a:p>
             <a:fld id="{999A8DD2-C443-44AD-85B3-4CE72B962C5F}" type="datetimeFigureOut">
               <a:rPr lang="en-US" smtClean="0"/>
-              <a:t>2/13/2024</a:t>
+              <a:t>3/6/2024</a:t>
             </a:fld>
             <a:endParaRPr lang="en-US"/>
           </a:p>
@@ -8966,7 +9002,7 @@
           <a:p>
             <a:fld id="{999A8DD2-C443-44AD-85B3-4CE72B962C5F}" type="datetimeFigureOut">
               <a:rPr lang="en-US" smtClean="0"/>
-              <a:t>2/13/2024</a:t>
+              <a:t>3/6/2024</a:t>
             </a:fld>
             <a:endParaRPr lang="en-US"/>
           </a:p>
@@ -9390,7 +9426,7 @@
           <a:p>
             <a:fld id="{999A8DD2-C443-44AD-85B3-4CE72B962C5F}" type="datetimeFigureOut">
               <a:rPr lang="en-US" smtClean="0"/>
-              <a:t>2/13/2024</a:t>
+              <a:t>3/6/2024</a:t>
             </a:fld>
             <a:endParaRPr lang="en-US"/>
           </a:p>
@@ -9531,7 +9567,7 @@
           <a:p>
             <a:fld id="{999A8DD2-C443-44AD-85B3-4CE72B962C5F}" type="datetimeFigureOut">
               <a:rPr lang="en-US" smtClean="0"/>
-              <a:t>2/13/2024</a:t>
+              <a:t>3/6/2024</a:t>
             </a:fld>
             <a:endParaRPr lang="en-US"/>
           </a:p>
@@ -9644,7 +9680,7 @@
           <a:p>
             <a:fld id="{999A8DD2-C443-44AD-85B3-4CE72B962C5F}" type="datetimeFigureOut">
               <a:rPr lang="en-US" smtClean="0"/>
-              <a:t>2/13/2024</a:t>
+              <a:t>3/6/2024</a:t>
             </a:fld>
             <a:endParaRPr lang="en-US"/>
           </a:p>
@@ -9963,7 +9999,7 @@
           <a:p>
             <a:fld id="{999A8DD2-C443-44AD-85B3-4CE72B962C5F}" type="datetimeFigureOut">
               <a:rPr lang="en-US" smtClean="0"/>
-              <a:t>2/13/2024</a:t>
+              <a:t>3/6/2024</a:t>
             </a:fld>
             <a:endParaRPr lang="en-US"/>
           </a:p>
@@ -10257,7 +10293,7 @@
           <a:p>
             <a:fld id="{999A8DD2-C443-44AD-85B3-4CE72B962C5F}" type="datetimeFigureOut">
               <a:rPr lang="en-US" smtClean="0"/>
-              <a:t>2/13/2024</a:t>
+              <a:t>3/6/2024</a:t>
             </a:fld>
             <a:endParaRPr lang="en-US"/>
           </a:p>
@@ -10497,7 +10533,7 @@
           <a:p>
             <a:fld id="{999A8DD2-C443-44AD-85B3-4CE72B962C5F}" type="datetimeFigureOut">
               <a:rPr lang="en-US" smtClean="0"/>
-              <a:t>2/13/2024</a:t>
+              <a:t>3/6/2024</a:t>
             </a:fld>
             <a:endParaRPr lang="en-US"/>
           </a:p>
